--- a/direct/figures/access.pptx
+++ b/direct/figures/access.pptx
@@ -7,7 +7,6 @@
   <p:sldIdLst>
     <p:sldId id="257" r:id="rId2"/>
     <p:sldId id="259" r:id="rId3"/>
-    <p:sldId id="258" r:id="rId4"/>
   </p:sldIdLst>
   <p:sldSz cx="12192000" cy="6858000"/>
   <p:notesSz cx="6858000" cy="9144000"/>
@@ -245,7 +244,7 @@
           <a:p>
             <a:fld id="{5D97E163-DB95-D24D-8C95-263DECB1FC34}" type="datetimeFigureOut">
               <a:rPr lang="en-US" smtClean="0"/>
-              <a:t>11/9/18</a:t>
+              <a:t>12/31/18</a:t>
             </a:fld>
             <a:endParaRPr lang="en-US"/>
           </a:p>
@@ -415,7 +414,7 @@
           <a:p>
             <a:fld id="{5D97E163-DB95-D24D-8C95-263DECB1FC34}" type="datetimeFigureOut">
               <a:rPr lang="en-US" smtClean="0"/>
-              <a:t>11/9/18</a:t>
+              <a:t>12/31/18</a:t>
             </a:fld>
             <a:endParaRPr lang="en-US"/>
           </a:p>
@@ -595,7 +594,7 @@
           <a:p>
             <a:fld id="{5D97E163-DB95-D24D-8C95-263DECB1FC34}" type="datetimeFigureOut">
               <a:rPr lang="en-US" smtClean="0"/>
-              <a:t>11/9/18</a:t>
+              <a:t>12/31/18</a:t>
             </a:fld>
             <a:endParaRPr lang="en-US"/>
           </a:p>
@@ -765,7 +764,7 @@
           <a:p>
             <a:fld id="{5D97E163-DB95-D24D-8C95-263DECB1FC34}" type="datetimeFigureOut">
               <a:rPr lang="en-US" smtClean="0"/>
-              <a:t>11/9/18</a:t>
+              <a:t>12/31/18</a:t>
             </a:fld>
             <a:endParaRPr lang="en-US"/>
           </a:p>
@@ -1011,7 +1010,7 @@
           <a:p>
             <a:fld id="{5D97E163-DB95-D24D-8C95-263DECB1FC34}" type="datetimeFigureOut">
               <a:rPr lang="en-US" smtClean="0"/>
-              <a:t>11/9/18</a:t>
+              <a:t>12/31/18</a:t>
             </a:fld>
             <a:endParaRPr lang="en-US"/>
           </a:p>
@@ -1243,7 +1242,7 @@
           <a:p>
             <a:fld id="{5D97E163-DB95-D24D-8C95-263DECB1FC34}" type="datetimeFigureOut">
               <a:rPr lang="en-US" smtClean="0"/>
-              <a:t>11/9/18</a:t>
+              <a:t>12/31/18</a:t>
             </a:fld>
             <a:endParaRPr lang="en-US"/>
           </a:p>
@@ -1610,7 +1609,7 @@
           <a:p>
             <a:fld id="{5D97E163-DB95-D24D-8C95-263DECB1FC34}" type="datetimeFigureOut">
               <a:rPr lang="en-US" smtClean="0"/>
-              <a:t>11/9/18</a:t>
+              <a:t>12/31/18</a:t>
             </a:fld>
             <a:endParaRPr lang="en-US"/>
           </a:p>
@@ -1728,7 +1727,7 @@
           <a:p>
             <a:fld id="{5D97E163-DB95-D24D-8C95-263DECB1FC34}" type="datetimeFigureOut">
               <a:rPr lang="en-US" smtClean="0"/>
-              <a:t>11/9/18</a:t>
+              <a:t>12/31/18</a:t>
             </a:fld>
             <a:endParaRPr lang="en-US"/>
           </a:p>
@@ -1823,7 +1822,7 @@
           <a:p>
             <a:fld id="{5D97E163-DB95-D24D-8C95-263DECB1FC34}" type="datetimeFigureOut">
               <a:rPr lang="en-US" smtClean="0"/>
-              <a:t>11/9/18</a:t>
+              <a:t>12/31/18</a:t>
             </a:fld>
             <a:endParaRPr lang="en-US"/>
           </a:p>
@@ -2100,7 +2099,7 @@
           <a:p>
             <a:fld id="{5D97E163-DB95-D24D-8C95-263DECB1FC34}" type="datetimeFigureOut">
               <a:rPr lang="en-US" smtClean="0"/>
-              <a:t>11/9/18</a:t>
+              <a:t>12/31/18</a:t>
             </a:fld>
             <a:endParaRPr lang="en-US"/>
           </a:p>
@@ -2353,7 +2352,7 @@
           <a:p>
             <a:fld id="{5D97E163-DB95-D24D-8C95-263DECB1FC34}" type="datetimeFigureOut">
               <a:rPr lang="en-US" smtClean="0"/>
-              <a:t>11/9/18</a:t>
+              <a:t>12/31/18</a:t>
             </a:fld>
             <a:endParaRPr lang="en-US"/>
           </a:p>
@@ -2566,7 +2565,7 @@
           <a:p>
             <a:fld id="{5D97E163-DB95-D24D-8C95-263DECB1FC34}" type="datetimeFigureOut">
               <a:rPr lang="en-US" smtClean="0"/>
-              <a:t>11/9/18</a:t>
+              <a:t>12/31/18</a:t>
             </a:fld>
             <a:endParaRPr lang="en-US"/>
           </a:p>
@@ -4651,7 +4650,7 @@
         <p:spPr>
           <a:xfrm flipH="1" flipV="1">
             <a:off x="4779797" y="2504028"/>
-            <a:ext cx="1146104" cy="887051"/>
+            <a:ext cx="1146104" cy="839563"/>
           </a:xfrm>
           <a:prstGeom prst="line">
             <a:avLst/>
@@ -4683,8 +4682,8 @@
         </p:nvCxnSpPr>
         <p:spPr>
           <a:xfrm flipH="1">
-            <a:off x="4779797" y="3391079"/>
-            <a:ext cx="1146104" cy="1079401"/>
+            <a:off x="4779797" y="3343591"/>
+            <a:ext cx="1146104" cy="1126889"/>
           </a:xfrm>
           <a:prstGeom prst="line">
             <a:avLst/>
@@ -4866,15 +4865,7 @@
                   <a:schemeClr val="tx1"/>
                 </a:solidFill>
               </a:rPr>
-              <a:t>BB</a:t>
-            </a:r>
-            <a:r>
-              <a:rPr lang="en-US" sz="2000" dirty="0" smtClean="0">
-                <a:solidFill>
-                  <a:schemeClr val="tx1"/>
-                </a:solidFill>
-              </a:rPr>
-              <a:t>U</a:t>
+              <a:t>BBU</a:t>
             </a:r>
             <a:endParaRPr lang="en-US" sz="2000" dirty="0">
               <a:solidFill>
@@ -5228,637 +5219,16 @@
           </a:prstGeom>
         </p:spPr>
       </p:pic>
-      <p:grpSp>
-        <p:nvGrpSpPr>
-          <p:cNvPr id="3" name="Group 2"/>
-          <p:cNvGrpSpPr/>
-          <p:nvPr/>
-        </p:nvGrpSpPr>
-        <p:grpSpPr>
-          <a:xfrm>
-            <a:off x="5925901" y="2292163"/>
-            <a:ext cx="2025939" cy="2197832"/>
-            <a:chOff x="7574106" y="2256179"/>
-            <a:chExt cx="2025939" cy="2197832"/>
-          </a:xfrm>
-        </p:grpSpPr>
-        <p:sp>
-          <p:nvSpPr>
-            <p:cNvPr id="255" name="Rectangle 254"/>
-            <p:cNvSpPr/>
-            <p:nvPr/>
-          </p:nvSpPr>
-          <p:spPr>
-            <a:xfrm>
-              <a:off x="7574106" y="2256179"/>
-              <a:ext cx="2025939" cy="2197832"/>
-            </a:xfrm>
-            <a:prstGeom prst="rect">
-              <a:avLst/>
-            </a:prstGeom>
-            <a:solidFill>
-              <a:schemeClr val="bg1"/>
-            </a:solidFill>
-            <a:ln w="28575">
-              <a:solidFill>
-                <a:srgbClr val="00B0F0"/>
-              </a:solidFill>
-            </a:ln>
-          </p:spPr>
-          <p:style>
-            <a:lnRef idx="2">
-              <a:schemeClr val="accent1">
-                <a:shade val="50000"/>
-              </a:schemeClr>
-            </a:lnRef>
-            <a:fillRef idx="1">
-              <a:schemeClr val="accent1"/>
-            </a:fillRef>
-            <a:effectRef idx="0">
-              <a:schemeClr val="accent1"/>
-            </a:effectRef>
-            <a:fontRef idx="minor">
-              <a:schemeClr val="lt1"/>
-            </a:fontRef>
-          </p:style>
-          <p:txBody>
-            <a:bodyPr rtlCol="0" anchor="t"/>
-            <a:lstStyle/>
-            <a:p>
-              <a:pPr algn="ctr">
-                <a:lnSpc>
-                  <a:spcPct val="90000"/>
-                </a:lnSpc>
-              </a:pPr>
-              <a:r>
-                <a:rPr lang="en-US" sz="2000" dirty="0" smtClean="0">
-                  <a:solidFill>
-                    <a:schemeClr val="tx1"/>
-                  </a:solidFill>
-                </a:rPr>
-                <a:t>EPC</a:t>
-              </a:r>
-              <a:endParaRPr lang="en-US" sz="2000" dirty="0">
-                <a:solidFill>
-                  <a:schemeClr val="tx1"/>
-                </a:solidFill>
-              </a:endParaRPr>
-            </a:p>
-          </p:txBody>
-        </p:sp>
-        <p:sp>
-          <p:nvSpPr>
-            <p:cNvPr id="95" name="Rectangle 94"/>
-            <p:cNvSpPr/>
-            <p:nvPr/>
-          </p:nvSpPr>
-          <p:spPr>
-            <a:xfrm>
-              <a:off x="7746822" y="3649898"/>
-              <a:ext cx="1704795" cy="672672"/>
-            </a:xfrm>
-            <a:prstGeom prst="rect">
-              <a:avLst/>
-            </a:prstGeom>
-            <a:solidFill>
-              <a:schemeClr val="bg1"/>
-            </a:solidFill>
-            <a:ln w="28575">
-              <a:solidFill>
-                <a:schemeClr val="tx1"/>
-              </a:solidFill>
-            </a:ln>
-          </p:spPr>
-          <p:style>
-            <a:lnRef idx="2">
-              <a:schemeClr val="accent1">
-                <a:shade val="50000"/>
-              </a:schemeClr>
-            </a:lnRef>
-            <a:fillRef idx="1">
-              <a:schemeClr val="accent1"/>
-            </a:fillRef>
-            <a:effectRef idx="0">
-              <a:schemeClr val="accent1"/>
-            </a:effectRef>
-            <a:fontRef idx="minor">
-              <a:schemeClr val="lt1"/>
-            </a:fontRef>
-          </p:style>
-          <p:txBody>
-            <a:bodyPr rtlCol="0" anchor="ctr"/>
-            <a:lstStyle/>
-            <a:p>
-              <a:pPr algn="ctr">
-                <a:lnSpc>
-                  <a:spcPct val="90000"/>
-                </a:lnSpc>
-              </a:pPr>
-              <a:r>
-                <a:rPr lang="en-US" sz="2000" dirty="0" smtClean="0">
-                  <a:solidFill>
-                    <a:schemeClr val="tx1"/>
-                  </a:solidFill>
-                </a:rPr>
-                <a:t>S/PGW</a:t>
-              </a:r>
-              <a:endParaRPr lang="en-US" sz="2000" dirty="0">
-                <a:solidFill>
-                  <a:schemeClr val="tx1"/>
-                </a:solidFill>
-              </a:endParaRPr>
-            </a:p>
-          </p:txBody>
-        </p:sp>
-        <p:cxnSp>
-          <p:nvCxnSpPr>
-            <p:cNvPr id="38" name="Straight Connector 37"/>
-            <p:cNvCxnSpPr>
-              <a:stCxn id="95" idx="0"/>
-              <a:endCxn id="101" idx="2"/>
-            </p:cNvCxnSpPr>
-            <p:nvPr/>
-          </p:nvCxnSpPr>
-          <p:spPr>
-            <a:xfrm flipH="1" flipV="1">
-              <a:off x="8596374" y="3294619"/>
-              <a:ext cx="2846" cy="355279"/>
-            </a:xfrm>
-            <a:prstGeom prst="line">
-              <a:avLst/>
-            </a:prstGeom>
-            <a:ln w="28575">
-              <a:solidFill>
-                <a:schemeClr val="tx1"/>
-              </a:solidFill>
-            </a:ln>
-          </p:spPr>
-          <p:style>
-            <a:lnRef idx="1">
-              <a:schemeClr val="accent1"/>
-            </a:lnRef>
-            <a:fillRef idx="0">
-              <a:schemeClr val="accent1"/>
-            </a:fillRef>
-            <a:effectRef idx="0">
-              <a:schemeClr val="accent1"/>
-            </a:effectRef>
-            <a:fontRef idx="minor">
-              <a:schemeClr val="tx1"/>
-            </a:fontRef>
-          </p:style>
-        </p:cxnSp>
-        <p:sp>
-          <p:nvSpPr>
-            <p:cNvPr id="101" name="Rectangle 100"/>
-            <p:cNvSpPr/>
-            <p:nvPr/>
-          </p:nvSpPr>
-          <p:spPr>
-            <a:xfrm>
-              <a:off x="7741131" y="2621947"/>
-              <a:ext cx="1710486" cy="672672"/>
-            </a:xfrm>
-            <a:prstGeom prst="rect">
-              <a:avLst/>
-            </a:prstGeom>
-            <a:solidFill>
-              <a:schemeClr val="bg1"/>
-            </a:solidFill>
-            <a:ln w="28575">
-              <a:solidFill>
-                <a:schemeClr val="tx1"/>
-              </a:solidFill>
-            </a:ln>
-          </p:spPr>
-          <p:style>
-            <a:lnRef idx="2">
-              <a:schemeClr val="accent1">
-                <a:shade val="50000"/>
-              </a:schemeClr>
-            </a:lnRef>
-            <a:fillRef idx="1">
-              <a:schemeClr val="accent1"/>
-            </a:fillRef>
-            <a:effectRef idx="0">
-              <a:schemeClr val="accent1"/>
-            </a:effectRef>
-            <a:fontRef idx="minor">
-              <a:schemeClr val="lt1"/>
-            </a:fontRef>
-          </p:style>
-          <p:txBody>
-            <a:bodyPr rtlCol="0" anchor="ctr"/>
-            <a:lstStyle/>
-            <a:p>
-              <a:pPr algn="ctr">
-                <a:lnSpc>
-                  <a:spcPct val="90000"/>
-                </a:lnSpc>
-              </a:pPr>
-              <a:r>
-                <a:rPr lang="en-US" sz="2000" smtClean="0">
-                  <a:solidFill>
-                    <a:schemeClr val="tx1"/>
-                  </a:solidFill>
-                </a:rPr>
-                <a:t>MME</a:t>
-              </a:r>
-              <a:endParaRPr lang="en-US" sz="2000" dirty="0">
-                <a:solidFill>
-                  <a:schemeClr val="tx1"/>
-                </a:solidFill>
-              </a:endParaRPr>
-            </a:p>
-          </p:txBody>
-        </p:sp>
-      </p:grpSp>
-      <p:cxnSp>
-        <p:nvCxnSpPr>
-          <p:cNvPr id="248" name="Straight Arrow Connector 247"/>
-          <p:cNvCxnSpPr>
-            <a:stCxn id="95" idx="3"/>
-            <a:endCxn id="246" idx="1"/>
-          </p:cNvCxnSpPr>
-          <p:nvPr/>
-        </p:nvCxnSpPr>
-        <p:spPr>
-          <a:xfrm flipV="1">
-            <a:off x="7803412" y="4004697"/>
-            <a:ext cx="2389953" cy="17521"/>
-          </a:xfrm>
-          <a:prstGeom prst="straightConnector1">
-            <a:avLst/>
-          </a:prstGeom>
-          <a:ln w="28575">
-            <a:solidFill>
-              <a:schemeClr val="tx1"/>
-            </a:solidFill>
-            <a:headEnd type="triangle" w="med" len="med"/>
-            <a:tailEnd type="triangle" w="med" len="med"/>
-          </a:ln>
-        </p:spPr>
-        <p:style>
-          <a:lnRef idx="1">
-            <a:schemeClr val="accent1"/>
-          </a:lnRef>
-          <a:fillRef idx="0">
-            <a:schemeClr val="accent1"/>
-          </a:fillRef>
-          <a:effectRef idx="0">
-            <a:schemeClr val="accent1"/>
-          </a:effectRef>
-          <a:fontRef idx="minor">
-            <a:schemeClr val="tx1"/>
-          </a:fontRef>
-        </p:style>
-      </p:cxnSp>
-      <p:sp>
-        <p:nvSpPr>
-          <p:cNvPr id="111" name="TextBox 110"/>
-          <p:cNvSpPr txBox="1"/>
-          <p:nvPr/>
-        </p:nvSpPr>
-        <p:spPr>
-          <a:xfrm>
-            <a:off x="10185406" y="2624665"/>
-            <a:ext cx="2050838" cy="707886"/>
-          </a:xfrm>
-          <a:prstGeom prst="rect">
-            <a:avLst/>
-          </a:prstGeom>
-          <a:noFill/>
-        </p:spPr>
-        <p:txBody>
-          <a:bodyPr wrap="square" rtlCol="0">
-            <a:spAutoFit/>
-          </a:bodyPr>
-          <a:lstStyle/>
-          <a:p>
-            <a:r>
-              <a:rPr lang="en-US" sz="2000" dirty="0" smtClean="0"/>
-              <a:t>To/From the ISP’s Subscriber DB</a:t>
-            </a:r>
-            <a:endParaRPr lang="en-US" sz="2000" dirty="0"/>
-          </a:p>
-        </p:txBody>
-      </p:sp>
-      <p:cxnSp>
-        <p:nvCxnSpPr>
-          <p:cNvPr id="114" name="Straight Arrow Connector 113"/>
-          <p:cNvCxnSpPr>
-            <a:stCxn id="101" idx="3"/>
-            <a:endCxn id="111" idx="1"/>
-          </p:cNvCxnSpPr>
-          <p:nvPr/>
-        </p:nvCxnSpPr>
-        <p:spPr>
-          <a:xfrm flipV="1">
-            <a:off x="7803412" y="2978608"/>
-            <a:ext cx="2381994" cy="15659"/>
-          </a:xfrm>
-          <a:prstGeom prst="straightConnector1">
-            <a:avLst/>
-          </a:prstGeom>
-          <a:ln w="28575">
-            <a:solidFill>
-              <a:schemeClr val="tx1"/>
-            </a:solidFill>
-            <a:headEnd type="triangle" w="med" len="med"/>
-            <a:tailEnd type="triangle" w="med" len="med"/>
-          </a:ln>
-        </p:spPr>
-        <p:style>
-          <a:lnRef idx="1">
-            <a:schemeClr val="accent1"/>
-          </a:lnRef>
-          <a:fillRef idx="0">
-            <a:schemeClr val="accent1"/>
-          </a:fillRef>
-          <a:effectRef idx="0">
-            <a:schemeClr val="accent1"/>
-          </a:effectRef>
-          <a:fontRef idx="minor">
-            <a:schemeClr val="tx1"/>
-          </a:fontRef>
-        </p:style>
-      </p:cxnSp>
-      <p:sp>
-        <p:nvSpPr>
-          <p:cNvPr id="57" name="Oval 56"/>
+      <p:sp>
+        <p:nvSpPr>
+          <p:cNvPr id="255" name="Rectangle 254"/>
           <p:cNvSpPr/>
           <p:nvPr/>
         </p:nvSpPr>
         <p:spPr>
           <a:xfrm>
-            <a:off x="1313602" y="1188351"/>
-            <a:ext cx="2737179" cy="2779504"/>
-          </a:xfrm>
-          <a:prstGeom prst="ellipse">
-            <a:avLst/>
-          </a:prstGeom>
-          <a:noFill/>
-        </p:spPr>
-        <p:style>
-          <a:lnRef idx="2">
-            <a:schemeClr val="accent1"/>
-          </a:lnRef>
-          <a:fillRef idx="1">
-            <a:schemeClr val="lt1"/>
-          </a:fillRef>
-          <a:effectRef idx="0">
-            <a:schemeClr val="accent1"/>
-          </a:effectRef>
-          <a:fontRef idx="minor">
-            <a:schemeClr val="dk1"/>
-          </a:fontRef>
-        </p:style>
-        <p:txBody>
-          <a:bodyPr rtlCol="0" anchor="ctr"/>
-          <a:lstStyle/>
-          <a:p>
-            <a:pPr algn="ctr"/>
-            <a:endParaRPr lang="en-US"/>
-          </a:p>
-        </p:txBody>
-      </p:sp>
-      <p:sp>
-        <p:nvSpPr>
-          <p:cNvPr id="119" name="Oval 118"/>
-          <p:cNvSpPr/>
-          <p:nvPr/>
-        </p:nvSpPr>
-        <p:spPr>
-          <a:xfrm>
-            <a:off x="1312852" y="3152276"/>
-            <a:ext cx="2737179" cy="2779504"/>
-          </a:xfrm>
-          <a:prstGeom prst="ellipse">
-            <a:avLst/>
-          </a:prstGeom>
-          <a:noFill/>
-        </p:spPr>
-        <p:style>
-          <a:lnRef idx="2">
-            <a:schemeClr val="accent1"/>
-          </a:lnRef>
-          <a:fillRef idx="1">
-            <a:schemeClr val="lt1"/>
-          </a:fillRef>
-          <a:effectRef idx="0">
-            <a:schemeClr val="accent1"/>
-          </a:effectRef>
-          <a:fontRef idx="minor">
-            <a:schemeClr val="dk1"/>
-          </a:fontRef>
-        </p:style>
-        <p:txBody>
-          <a:bodyPr rtlCol="0" anchor="ctr"/>
-          <a:lstStyle/>
-          <a:p>
-            <a:pPr algn="ctr"/>
-            <a:endParaRPr lang="en-US"/>
-          </a:p>
-        </p:txBody>
-      </p:sp>
-      <p:sp>
-        <p:nvSpPr>
-          <p:cNvPr id="58" name="TextBox 57"/>
-          <p:cNvSpPr txBox="1"/>
-          <p:nvPr/>
-        </p:nvSpPr>
-        <p:spPr>
-          <a:xfrm>
-            <a:off x="2422669" y="1247974"/>
-            <a:ext cx="529312" cy="369332"/>
-          </a:xfrm>
-          <a:prstGeom prst="rect">
-            <a:avLst/>
-          </a:prstGeom>
-          <a:noFill/>
-        </p:spPr>
-        <p:txBody>
-          <a:bodyPr wrap="none" rtlCol="0">
-            <a:spAutoFit/>
-          </a:bodyPr>
-          <a:lstStyle/>
-          <a:p>
-            <a:r>
-              <a:rPr lang="en-US" smtClean="0"/>
-              <a:t>Cell</a:t>
-            </a:r>
-            <a:endParaRPr lang="en-US"/>
-          </a:p>
-        </p:txBody>
-      </p:sp>
-      <p:sp>
-        <p:nvSpPr>
-          <p:cNvPr id="121" name="TextBox 120"/>
-          <p:cNvSpPr txBox="1"/>
-          <p:nvPr/>
-        </p:nvSpPr>
-        <p:spPr>
-          <a:xfrm>
-            <a:off x="2402787" y="5487852"/>
-            <a:ext cx="529312" cy="369332"/>
-          </a:xfrm>
-          <a:prstGeom prst="rect">
-            <a:avLst/>
-          </a:prstGeom>
-          <a:noFill/>
-        </p:spPr>
-        <p:txBody>
-          <a:bodyPr wrap="none" rtlCol="0">
-            <a:spAutoFit/>
-          </a:bodyPr>
-          <a:lstStyle/>
-          <a:p>
-            <a:r>
-              <a:rPr lang="en-US" smtClean="0"/>
-              <a:t>Cell</a:t>
-            </a:r>
-            <a:endParaRPr lang="en-US"/>
-          </a:p>
-        </p:txBody>
-      </p:sp>
-      <p:sp>
-        <p:nvSpPr>
-          <p:cNvPr id="49" name="TextBox 48"/>
-          <p:cNvSpPr txBox="1"/>
-          <p:nvPr/>
-        </p:nvSpPr>
-        <p:spPr>
-          <a:xfrm rot="16200000">
-            <a:off x="-323090" y="3189303"/>
-            <a:ext cx="2798523" cy="461665"/>
-          </a:xfrm>
-          <a:prstGeom prst="rect">
-            <a:avLst/>
-          </a:prstGeom>
-          <a:noFill/>
-        </p:spPr>
-        <p:txBody>
-          <a:bodyPr wrap="none" rtlCol="0">
-            <a:spAutoFit/>
-          </a:bodyPr>
-          <a:lstStyle/>
-          <a:p>
-            <a:pPr algn="ctr"/>
-            <a:r>
-              <a:rPr lang="en-US" sz="2400" smtClean="0"/>
-              <a:t>User Equipment (UE)</a:t>
-            </a:r>
-            <a:endParaRPr lang="en-US" sz="2400" dirty="0"/>
-          </a:p>
-        </p:txBody>
-      </p:sp>
-    </p:spTree>
-    <p:extLst>
-      <p:ext uri="{BB962C8B-B14F-4D97-AF65-F5344CB8AC3E}">
-        <p14:creationId xmlns:p14="http://schemas.microsoft.com/office/powerpoint/2010/main" val="1281576442"/>
-      </p:ext>
-    </p:extLst>
-  </p:cSld>
-  <p:clrMapOvr>
-    <a:masterClrMapping/>
-  </p:clrMapOvr>
-  <p:timing>
-    <p:tnLst>
-      <p:par>
-        <p:cTn id="1" dur="indefinite" restart="never" nodeType="tmRoot"/>
-      </p:par>
-    </p:tnLst>
-  </p:timing>
-</p:sld>
-</file>
-
-<file path=ppt/slides/slide3.xml><?xml version="1.0" encoding="utf-8"?>
-<p:sld xmlns:a="http://schemas.openxmlformats.org/drawingml/2006/main" xmlns:r="http://schemas.openxmlformats.org/officeDocument/2006/relationships" xmlns:p="http://schemas.openxmlformats.org/presentationml/2006/main">
-  <p:cSld>
-    <p:spTree>
-      <p:nvGrpSpPr>
-        <p:cNvPr id="1" name=""/>
-        <p:cNvGrpSpPr/>
-        <p:nvPr/>
-      </p:nvGrpSpPr>
-      <p:grpSpPr>
-        <a:xfrm>
-          <a:off x="0" y="0"/>
-          <a:ext cx="0" cy="0"/>
-          <a:chOff x="0" y="0"/>
-          <a:chExt cx="0" cy="0"/>
-        </a:xfrm>
-      </p:grpSpPr>
-      <p:sp>
-        <p:nvSpPr>
-          <p:cNvPr id="4" name="Rectangle 3"/>
-          <p:cNvSpPr/>
-          <p:nvPr/>
-        </p:nvSpPr>
-        <p:spPr>
-          <a:xfrm>
-            <a:off x="5369601" y="1472486"/>
-            <a:ext cx="4425563" cy="4083190"/>
-          </a:xfrm>
-          <a:prstGeom prst="rect">
-            <a:avLst/>
-          </a:prstGeom>
-          <a:solidFill>
-            <a:srgbClr val="CFE7F1"/>
-          </a:solidFill>
-          <a:ln w="57150">
-            <a:solidFill>
-              <a:srgbClr val="00B0F0"/>
-            </a:solidFill>
-          </a:ln>
-        </p:spPr>
-        <p:style>
-          <a:lnRef idx="2">
-            <a:schemeClr val="accent1">
-              <a:shade val="50000"/>
-            </a:schemeClr>
-          </a:lnRef>
-          <a:fillRef idx="1">
-            <a:schemeClr val="accent1"/>
-          </a:fillRef>
-          <a:effectRef idx="0">
-            <a:schemeClr val="accent1"/>
-          </a:effectRef>
-          <a:fontRef idx="minor">
-            <a:schemeClr val="lt1"/>
-          </a:fontRef>
-        </p:style>
-        <p:txBody>
-          <a:bodyPr rtlCol="0" anchor="b"/>
-          <a:lstStyle/>
-          <a:p>
-            <a:pPr algn="ctr"/>
-            <a:r>
-              <a:rPr lang="en-US" sz="2400" dirty="0" smtClean="0">
-                <a:solidFill>
-                  <a:schemeClr val="tx1"/>
-                </a:solidFill>
-              </a:rPr>
-              <a:t>Central Office</a:t>
-            </a:r>
-            <a:endParaRPr lang="en-US" sz="2400" dirty="0">
-              <a:solidFill>
-                <a:schemeClr val="tx1"/>
-              </a:solidFill>
-            </a:endParaRPr>
-          </a:p>
-        </p:txBody>
-      </p:sp>
-      <p:sp>
-        <p:nvSpPr>
-          <p:cNvPr id="21" name="Rectangle 20"/>
-          <p:cNvSpPr/>
-          <p:nvPr/>
-        </p:nvSpPr>
-        <p:spPr>
-          <a:xfrm>
-            <a:off x="5897714" y="2915122"/>
-            <a:ext cx="1046012" cy="1042043"/>
+            <a:off x="5925901" y="2182439"/>
+            <a:ext cx="3616305" cy="2322304"/>
           </a:xfrm>
           <a:prstGeom prst="rect">
             <a:avLst/>
@@ -5889,324 +5259,6 @@
           </a:fontRef>
         </p:style>
         <p:txBody>
-          <a:bodyPr rtlCol="0" anchor="ctr"/>
-          <a:lstStyle/>
-          <a:p>
-            <a:pPr algn="ctr">
-              <a:lnSpc>
-                <a:spcPct val="90000"/>
-              </a:lnSpc>
-            </a:pPr>
-            <a:r>
-              <a:rPr lang="en-US" sz="2000" dirty="0" smtClean="0">
-                <a:solidFill>
-                  <a:schemeClr val="tx1"/>
-                </a:solidFill>
-              </a:rPr>
-              <a:t>CU</a:t>
-            </a:r>
-            <a:endParaRPr lang="en-US" sz="2000" dirty="0">
-              <a:solidFill>
-                <a:schemeClr val="tx1"/>
-              </a:solidFill>
-            </a:endParaRPr>
-          </a:p>
-        </p:txBody>
-      </p:sp>
-      <p:sp>
-        <p:nvSpPr>
-          <p:cNvPr id="2" name="TextBox 1"/>
-          <p:cNvSpPr txBox="1"/>
-          <p:nvPr/>
-        </p:nvSpPr>
-        <p:spPr>
-          <a:xfrm>
-            <a:off x="6266373" y="3956388"/>
-            <a:ext cx="308693" cy="923330"/>
-          </a:xfrm>
-          <a:prstGeom prst="rect">
-            <a:avLst/>
-          </a:prstGeom>
-          <a:noFill/>
-        </p:spPr>
-        <p:txBody>
-          <a:bodyPr wrap="square" rtlCol="0">
-            <a:spAutoFit/>
-          </a:bodyPr>
-          <a:lstStyle/>
-          <a:p>
-            <a:r>
-              <a:rPr lang="en-US" b="1" dirty="0" smtClean="0"/>
-              <a:t>.</a:t>
-            </a:r>
-          </a:p>
-          <a:p>
-            <a:r>
-              <a:rPr lang="en-US" b="1" dirty="0" smtClean="0"/>
-              <a:t>.</a:t>
-            </a:r>
-          </a:p>
-          <a:p>
-            <a:r>
-              <a:rPr lang="en-US" b="1" dirty="0"/>
-              <a:t>.</a:t>
-            </a:r>
-          </a:p>
-        </p:txBody>
-      </p:sp>
-      <p:cxnSp>
-        <p:nvCxnSpPr>
-          <p:cNvPr id="11" name="Straight Connector 10"/>
-          <p:cNvCxnSpPr>
-            <a:stCxn id="21" idx="1"/>
-            <a:endCxn id="43" idx="3"/>
-          </p:cNvCxnSpPr>
-          <p:nvPr/>
-        </p:nvCxnSpPr>
-        <p:spPr>
-          <a:xfrm flipH="1" flipV="1">
-            <a:off x="4438715" y="2504028"/>
-            <a:ext cx="1458999" cy="932116"/>
-          </a:xfrm>
-          <a:prstGeom prst="line">
-            <a:avLst/>
-          </a:prstGeom>
-        </p:spPr>
-        <p:style>
-          <a:lnRef idx="1">
-            <a:schemeClr val="accent1"/>
-          </a:lnRef>
-          <a:fillRef idx="0">
-            <a:schemeClr val="accent1"/>
-          </a:fillRef>
-          <a:effectRef idx="0">
-            <a:schemeClr val="accent1"/>
-          </a:effectRef>
-          <a:fontRef idx="minor">
-            <a:schemeClr val="tx1"/>
-          </a:fontRef>
-        </p:style>
-      </p:cxnSp>
-      <p:cxnSp>
-        <p:nvCxnSpPr>
-          <p:cNvPr id="13" name="Straight Connector 12"/>
-          <p:cNvCxnSpPr>
-            <a:stCxn id="21" idx="1"/>
-          </p:cNvCxnSpPr>
-          <p:nvPr/>
-        </p:nvCxnSpPr>
-        <p:spPr>
-          <a:xfrm flipH="1">
-            <a:off x="4410528" y="3436144"/>
-            <a:ext cx="1487186" cy="1041266"/>
-          </a:xfrm>
-          <a:prstGeom prst="line">
-            <a:avLst/>
-          </a:prstGeom>
-        </p:spPr>
-        <p:style>
-          <a:lnRef idx="1">
-            <a:schemeClr val="accent1"/>
-          </a:lnRef>
-          <a:fillRef idx="0">
-            <a:schemeClr val="accent1"/>
-          </a:fillRef>
-          <a:effectRef idx="0">
-            <a:schemeClr val="accent1"/>
-          </a:effectRef>
-          <a:fontRef idx="minor">
-            <a:schemeClr val="tx1"/>
-          </a:fontRef>
-        </p:style>
-      </p:cxnSp>
-      <p:sp>
-        <p:nvSpPr>
-          <p:cNvPr id="81" name="TextBox 80"/>
-          <p:cNvSpPr txBox="1"/>
-          <p:nvPr/>
-        </p:nvSpPr>
-        <p:spPr>
-          <a:xfrm>
-            <a:off x="6266372" y="1902439"/>
-            <a:ext cx="308693" cy="923330"/>
-          </a:xfrm>
-          <a:prstGeom prst="rect">
-            <a:avLst/>
-          </a:prstGeom>
-          <a:noFill/>
-        </p:spPr>
-        <p:txBody>
-          <a:bodyPr wrap="square" rtlCol="0">
-            <a:spAutoFit/>
-          </a:bodyPr>
-          <a:lstStyle/>
-          <a:p>
-            <a:r>
-              <a:rPr lang="en-US" b="1" dirty="0" smtClean="0"/>
-              <a:t>.</a:t>
-            </a:r>
-          </a:p>
-          <a:p>
-            <a:r>
-              <a:rPr lang="en-US" b="1" dirty="0" smtClean="0"/>
-              <a:t>.</a:t>
-            </a:r>
-          </a:p>
-          <a:p>
-            <a:r>
-              <a:rPr lang="en-US" b="1" dirty="0"/>
-              <a:t>.</a:t>
-            </a:r>
-          </a:p>
-        </p:txBody>
-      </p:sp>
-      <p:sp>
-        <p:nvSpPr>
-          <p:cNvPr id="244" name="Right Brace 243"/>
-          <p:cNvSpPr/>
-          <p:nvPr/>
-        </p:nvSpPr>
-        <p:spPr>
-          <a:xfrm rot="16200000">
-            <a:off x="3474473" y="-2088062"/>
-            <a:ext cx="390873" cy="6366426"/>
-          </a:xfrm>
-          <a:prstGeom prst="rightBrace">
-            <a:avLst>
-              <a:gd name="adj1" fmla="val 43474"/>
-              <a:gd name="adj2" fmla="val 50463"/>
-            </a:avLst>
-          </a:prstGeom>
-          <a:ln>
-            <a:solidFill>
-              <a:schemeClr val="tx1"/>
-            </a:solidFill>
-          </a:ln>
-        </p:spPr>
-        <p:style>
-          <a:lnRef idx="1">
-            <a:schemeClr val="accent1"/>
-          </a:lnRef>
-          <a:fillRef idx="0">
-            <a:schemeClr val="accent1"/>
-          </a:fillRef>
-          <a:effectRef idx="0">
-            <a:schemeClr val="accent1"/>
-          </a:effectRef>
-          <a:fontRef idx="minor">
-            <a:schemeClr val="tx1"/>
-          </a:fontRef>
-        </p:style>
-        <p:txBody>
-          <a:bodyPr rtlCol="0" anchor="ctr"/>
-          <a:lstStyle/>
-          <a:p>
-            <a:pPr algn="ctr"/>
-            <a:endParaRPr lang="en-US"/>
-          </a:p>
-        </p:txBody>
-      </p:sp>
-      <p:sp>
-        <p:nvSpPr>
-          <p:cNvPr id="245" name="TextBox 244"/>
-          <p:cNvSpPr txBox="1"/>
-          <p:nvPr/>
-        </p:nvSpPr>
-        <p:spPr>
-          <a:xfrm>
-            <a:off x="1829085" y="473897"/>
-            <a:ext cx="3740640" cy="461665"/>
-          </a:xfrm>
-          <a:prstGeom prst="rect">
-            <a:avLst/>
-          </a:prstGeom>
-          <a:noFill/>
-        </p:spPr>
-        <p:txBody>
-          <a:bodyPr wrap="none" rtlCol="0">
-            <a:spAutoFit/>
-          </a:bodyPr>
-          <a:lstStyle/>
-          <a:p>
-            <a:pPr algn="ctr"/>
-            <a:r>
-              <a:rPr lang="en-US" sz="2400" dirty="0" smtClean="0"/>
-              <a:t>Radio Access Network (RAN)</a:t>
-            </a:r>
-            <a:endParaRPr lang="en-US" sz="2400" dirty="0"/>
-          </a:p>
-        </p:txBody>
-      </p:sp>
-      <p:sp>
-        <p:nvSpPr>
-          <p:cNvPr id="246" name="TextBox 245"/>
-          <p:cNvSpPr txBox="1"/>
-          <p:nvPr/>
-        </p:nvSpPr>
-        <p:spPr>
-          <a:xfrm>
-            <a:off x="10193365" y="3621258"/>
-            <a:ext cx="1723331" cy="707886"/>
-          </a:xfrm>
-          <a:prstGeom prst="rect">
-            <a:avLst/>
-          </a:prstGeom>
-          <a:noFill/>
-        </p:spPr>
-        <p:txBody>
-          <a:bodyPr wrap="square" rtlCol="0">
-            <a:spAutoFit/>
-          </a:bodyPr>
-          <a:lstStyle/>
-          <a:p>
-            <a:r>
-              <a:rPr lang="en-US" sz="2000" dirty="0" smtClean="0"/>
-              <a:t>To/From the ISP’s Backbone</a:t>
-            </a:r>
-            <a:endParaRPr lang="en-US" sz="2000" dirty="0"/>
-          </a:p>
-        </p:txBody>
-      </p:sp>
-      <p:sp>
-        <p:nvSpPr>
-          <p:cNvPr id="255" name="Rectangle 254"/>
-          <p:cNvSpPr/>
-          <p:nvPr/>
-        </p:nvSpPr>
-        <p:spPr>
-          <a:xfrm>
-            <a:off x="7574106" y="2256179"/>
-            <a:ext cx="2025939" cy="2197832"/>
-          </a:xfrm>
-          <a:prstGeom prst="rect">
-            <a:avLst/>
-          </a:prstGeom>
-          <a:solidFill>
-            <a:schemeClr val="bg1"/>
-          </a:solidFill>
-          <a:ln w="28575">
-            <a:solidFill>
-              <a:srgbClr val="00B0F0"/>
-            </a:solidFill>
-          </a:ln>
-        </p:spPr>
-        <p:style>
-          <a:lnRef idx="2">
-            <a:schemeClr val="accent1">
-              <a:shade val="50000"/>
-            </a:schemeClr>
-          </a:lnRef>
-          <a:fillRef idx="1">
-            <a:schemeClr val="accent1"/>
-          </a:fillRef>
-          <a:effectRef idx="0">
-            <a:schemeClr val="accent1"/>
-          </a:effectRef>
-          <a:fontRef idx="minor">
-            <a:schemeClr val="lt1"/>
-          </a:fontRef>
-        </p:style>
-        <p:txBody>
           <a:bodyPr rtlCol="0" anchor="t"/>
           <a:lstStyle/>
           <a:p>
@@ -6231,694 +5283,16 @@
           </a:p>
         </p:txBody>
       </p:sp>
-      <p:cxnSp>
-        <p:nvCxnSpPr>
-          <p:cNvPr id="259" name="Straight Connector 258"/>
-          <p:cNvCxnSpPr>
-            <a:stCxn id="21" idx="3"/>
-            <a:endCxn id="93" idx="1"/>
-          </p:cNvCxnSpPr>
-          <p:nvPr/>
-        </p:nvCxnSpPr>
-        <p:spPr>
-          <a:xfrm>
-            <a:off x="6943726" y="3436144"/>
-            <a:ext cx="783407" cy="548697"/>
-          </a:xfrm>
-          <a:prstGeom prst="line">
-            <a:avLst/>
-          </a:prstGeom>
-          <a:ln w="28575">
-            <a:solidFill>
-              <a:schemeClr val="tx1"/>
-            </a:solidFill>
-          </a:ln>
-        </p:spPr>
-        <p:style>
-          <a:lnRef idx="1">
-            <a:schemeClr val="accent1"/>
-          </a:lnRef>
-          <a:fillRef idx="0">
-            <a:schemeClr val="accent1"/>
-          </a:fillRef>
-          <a:effectRef idx="0">
-            <a:schemeClr val="accent1"/>
-          </a:effectRef>
-          <a:fontRef idx="minor">
-            <a:schemeClr val="tx1"/>
-          </a:fontRef>
-        </p:style>
-      </p:cxnSp>
-      <p:sp>
-        <p:nvSpPr>
-          <p:cNvPr id="43" name="Rectangle 42"/>
+      <p:sp>
+        <p:nvSpPr>
+          <p:cNvPr id="95" name="Rectangle 94"/>
           <p:cNvSpPr/>
           <p:nvPr/>
         </p:nvSpPr>
         <p:spPr>
           <a:xfrm>
-            <a:off x="3750466" y="2167692"/>
-            <a:ext cx="688249" cy="672672"/>
-          </a:xfrm>
-          <a:prstGeom prst="rect">
-            <a:avLst/>
-          </a:prstGeom>
-          <a:solidFill>
-            <a:schemeClr val="bg1"/>
-          </a:solidFill>
-          <a:ln w="28575">
-            <a:solidFill>
-              <a:srgbClr val="00B0F0"/>
-            </a:solidFill>
-          </a:ln>
-        </p:spPr>
-        <p:style>
-          <a:lnRef idx="2">
-            <a:schemeClr val="accent1">
-              <a:shade val="50000"/>
-            </a:schemeClr>
-          </a:lnRef>
-          <a:fillRef idx="1">
-            <a:schemeClr val="accent1"/>
-          </a:fillRef>
-          <a:effectRef idx="0">
-            <a:schemeClr val="accent1"/>
-          </a:effectRef>
-          <a:fontRef idx="minor">
-            <a:schemeClr val="lt1"/>
-          </a:fontRef>
-        </p:style>
-        <p:txBody>
-          <a:bodyPr rtlCol="0" anchor="ctr"/>
-          <a:lstStyle/>
-          <a:p>
-            <a:pPr algn="ctr">
-              <a:lnSpc>
-                <a:spcPct val="90000"/>
-              </a:lnSpc>
-            </a:pPr>
-            <a:r>
-              <a:rPr lang="en-US" sz="2000" dirty="0">
-                <a:solidFill>
-                  <a:schemeClr val="tx1"/>
-                </a:solidFill>
-              </a:rPr>
-              <a:t>D</a:t>
-            </a:r>
-            <a:r>
-              <a:rPr lang="en-US" sz="2000" dirty="0" smtClean="0">
-                <a:solidFill>
-                  <a:schemeClr val="tx1"/>
-                </a:solidFill>
-              </a:rPr>
-              <a:t>U</a:t>
-            </a:r>
-            <a:endParaRPr lang="en-US" sz="2000" dirty="0">
-              <a:solidFill>
-                <a:schemeClr val="tx1"/>
-              </a:solidFill>
-            </a:endParaRPr>
-          </a:p>
-        </p:txBody>
-      </p:sp>
-      <p:sp>
-        <p:nvSpPr>
-          <p:cNvPr id="66" name="Rectangle 65"/>
-          <p:cNvSpPr/>
-          <p:nvPr/>
-        </p:nvSpPr>
-        <p:spPr>
-          <a:xfrm>
-            <a:off x="2837935" y="2167692"/>
-            <a:ext cx="688249" cy="672672"/>
-          </a:xfrm>
-          <a:prstGeom prst="rect">
-            <a:avLst/>
-          </a:prstGeom>
-          <a:solidFill>
-            <a:schemeClr val="bg1"/>
-          </a:solidFill>
-          <a:ln w="28575">
-            <a:solidFill>
-              <a:srgbClr val="00B0F0"/>
-            </a:solidFill>
-          </a:ln>
-        </p:spPr>
-        <p:style>
-          <a:lnRef idx="2">
-            <a:schemeClr val="accent1">
-              <a:shade val="50000"/>
-            </a:schemeClr>
-          </a:lnRef>
-          <a:fillRef idx="1">
-            <a:schemeClr val="accent1"/>
-          </a:fillRef>
-          <a:effectRef idx="0">
-            <a:schemeClr val="accent1"/>
-          </a:effectRef>
-          <a:fontRef idx="minor">
-            <a:schemeClr val="lt1"/>
-          </a:fontRef>
-        </p:style>
-        <p:txBody>
-          <a:bodyPr rtlCol="0" anchor="ctr"/>
-          <a:lstStyle/>
-          <a:p>
-            <a:pPr algn="ctr">
-              <a:lnSpc>
-                <a:spcPct val="90000"/>
-              </a:lnSpc>
-            </a:pPr>
-            <a:r>
-              <a:rPr lang="en-US" sz="2000" dirty="0" smtClean="0">
-                <a:solidFill>
-                  <a:schemeClr val="tx1"/>
-                </a:solidFill>
-              </a:rPr>
-              <a:t>RU</a:t>
-            </a:r>
-            <a:endParaRPr lang="en-US" sz="2000" dirty="0">
-              <a:solidFill>
-                <a:schemeClr val="tx1"/>
-              </a:solidFill>
-            </a:endParaRPr>
-          </a:p>
-        </p:txBody>
-      </p:sp>
-      <p:cxnSp>
-        <p:nvCxnSpPr>
-          <p:cNvPr id="224" name="Straight Connector 223"/>
-          <p:cNvCxnSpPr>
-            <a:stCxn id="43" idx="1"/>
-            <a:endCxn id="66" idx="3"/>
-          </p:cNvCxnSpPr>
-          <p:nvPr/>
-        </p:nvCxnSpPr>
-        <p:spPr>
-          <a:xfrm flipH="1">
-            <a:off x="3526184" y="2504028"/>
-            <a:ext cx="224282" cy="0"/>
-          </a:xfrm>
-          <a:prstGeom prst="line">
-            <a:avLst/>
-          </a:prstGeom>
-          <a:ln w="28575">
-            <a:solidFill>
-              <a:schemeClr val="tx1"/>
-            </a:solidFill>
-          </a:ln>
-        </p:spPr>
-        <p:style>
-          <a:lnRef idx="1">
-            <a:schemeClr val="accent1"/>
-          </a:lnRef>
-          <a:fillRef idx="0">
-            <a:schemeClr val="accent1"/>
-          </a:fillRef>
-          <a:effectRef idx="0">
-            <a:schemeClr val="accent1"/>
-          </a:effectRef>
-          <a:fontRef idx="minor">
-            <a:schemeClr val="tx1"/>
-          </a:fontRef>
-        </p:style>
-      </p:cxnSp>
-      <p:grpSp>
-        <p:nvGrpSpPr>
-          <p:cNvPr id="226" name="Group 225"/>
-          <p:cNvGrpSpPr/>
-          <p:nvPr/>
-        </p:nvGrpSpPr>
-        <p:grpSpPr>
-          <a:xfrm>
-            <a:off x="2837935" y="4134144"/>
-            <a:ext cx="1600780" cy="672672"/>
-            <a:chOff x="2837935" y="4134144"/>
-            <a:chExt cx="1600780" cy="672672"/>
-          </a:xfrm>
-        </p:grpSpPr>
-        <p:sp>
-          <p:nvSpPr>
-            <p:cNvPr id="68" name="Rectangle 67"/>
-            <p:cNvSpPr/>
-            <p:nvPr/>
-          </p:nvSpPr>
-          <p:spPr>
-            <a:xfrm>
-              <a:off x="3750466" y="4134144"/>
-              <a:ext cx="688249" cy="672672"/>
-            </a:xfrm>
-            <a:prstGeom prst="rect">
-              <a:avLst/>
-            </a:prstGeom>
-            <a:solidFill>
-              <a:schemeClr val="bg1"/>
-            </a:solidFill>
-            <a:ln w="28575">
-              <a:solidFill>
-                <a:srgbClr val="00B0F0"/>
-              </a:solidFill>
-            </a:ln>
-          </p:spPr>
-          <p:style>
-            <a:lnRef idx="2">
-              <a:schemeClr val="accent1">
-                <a:shade val="50000"/>
-              </a:schemeClr>
-            </a:lnRef>
-            <a:fillRef idx="1">
-              <a:schemeClr val="accent1"/>
-            </a:fillRef>
-            <a:effectRef idx="0">
-              <a:schemeClr val="accent1"/>
-            </a:effectRef>
-            <a:fontRef idx="minor">
-              <a:schemeClr val="lt1"/>
-            </a:fontRef>
-          </p:style>
-          <p:txBody>
-            <a:bodyPr rtlCol="0" anchor="ctr"/>
-            <a:lstStyle/>
-            <a:p>
-              <a:pPr algn="ctr">
-                <a:lnSpc>
-                  <a:spcPct val="90000"/>
-                </a:lnSpc>
-              </a:pPr>
-              <a:r>
-                <a:rPr lang="en-US" sz="2000" dirty="0">
-                  <a:solidFill>
-                    <a:schemeClr val="tx1"/>
-                  </a:solidFill>
-                </a:rPr>
-                <a:t>D</a:t>
-              </a:r>
-              <a:r>
-                <a:rPr lang="en-US" sz="2000" dirty="0" smtClean="0">
-                  <a:solidFill>
-                    <a:schemeClr val="tx1"/>
-                  </a:solidFill>
-                </a:rPr>
-                <a:t>U</a:t>
-              </a:r>
-              <a:endParaRPr lang="en-US" sz="2000" dirty="0">
-                <a:solidFill>
-                  <a:schemeClr val="tx1"/>
-                </a:solidFill>
-              </a:endParaRPr>
-            </a:p>
-          </p:txBody>
-        </p:sp>
-        <p:sp>
-          <p:nvSpPr>
-            <p:cNvPr id="70" name="Rectangle 69"/>
-            <p:cNvSpPr/>
-            <p:nvPr/>
-          </p:nvSpPr>
-          <p:spPr>
-            <a:xfrm>
-              <a:off x="2837935" y="4134144"/>
-              <a:ext cx="688249" cy="672672"/>
-            </a:xfrm>
-            <a:prstGeom prst="rect">
-              <a:avLst/>
-            </a:prstGeom>
-            <a:solidFill>
-              <a:schemeClr val="bg1"/>
-            </a:solidFill>
-            <a:ln w="28575">
-              <a:solidFill>
-                <a:srgbClr val="00B0F0"/>
-              </a:solidFill>
-            </a:ln>
-          </p:spPr>
-          <p:style>
-            <a:lnRef idx="2">
-              <a:schemeClr val="accent1">
-                <a:shade val="50000"/>
-              </a:schemeClr>
-            </a:lnRef>
-            <a:fillRef idx="1">
-              <a:schemeClr val="accent1"/>
-            </a:fillRef>
-            <a:effectRef idx="0">
-              <a:schemeClr val="accent1"/>
-            </a:effectRef>
-            <a:fontRef idx="minor">
-              <a:schemeClr val="lt1"/>
-            </a:fontRef>
-          </p:style>
-          <p:txBody>
-            <a:bodyPr rtlCol="0" anchor="ctr"/>
-            <a:lstStyle/>
-            <a:p>
-              <a:pPr algn="ctr">
-                <a:lnSpc>
-                  <a:spcPct val="90000"/>
-                </a:lnSpc>
-              </a:pPr>
-              <a:r>
-                <a:rPr lang="en-US" sz="2000" dirty="0" smtClean="0">
-                  <a:solidFill>
-                    <a:schemeClr val="tx1"/>
-                  </a:solidFill>
-                </a:rPr>
-                <a:t>RU</a:t>
-              </a:r>
-              <a:endParaRPr lang="en-US" sz="2000" dirty="0">
-                <a:solidFill>
-                  <a:schemeClr val="tx1"/>
-                </a:solidFill>
-              </a:endParaRPr>
-            </a:p>
-          </p:txBody>
-        </p:sp>
-        <p:cxnSp>
-          <p:nvCxnSpPr>
-            <p:cNvPr id="71" name="Straight Connector 70"/>
-            <p:cNvCxnSpPr/>
-            <p:nvPr/>
-          </p:nvCxnSpPr>
-          <p:spPr>
-            <a:xfrm flipH="1">
-              <a:off x="3526184" y="4470480"/>
-              <a:ext cx="224282" cy="0"/>
-            </a:xfrm>
-            <a:prstGeom prst="line">
-              <a:avLst/>
-            </a:prstGeom>
-            <a:ln w="28575">
-              <a:solidFill>
-                <a:schemeClr val="tx1"/>
-              </a:solidFill>
-            </a:ln>
-          </p:spPr>
-          <p:style>
-            <a:lnRef idx="1">
-              <a:schemeClr val="accent1"/>
-            </a:lnRef>
-            <a:fillRef idx="0">
-              <a:schemeClr val="accent1"/>
-            </a:fillRef>
-            <a:effectRef idx="0">
-              <a:schemeClr val="accent1"/>
-            </a:effectRef>
-            <a:fontRef idx="minor">
-              <a:schemeClr val="tx1"/>
-            </a:fontRef>
-          </p:style>
-        </p:cxnSp>
-      </p:grpSp>
-      <p:grpSp>
-        <p:nvGrpSpPr>
-          <p:cNvPr id="233" name="Group 232"/>
-          <p:cNvGrpSpPr/>
-          <p:nvPr/>
-        </p:nvGrpSpPr>
-        <p:grpSpPr>
-          <a:xfrm>
-            <a:off x="2093697" y="2167691"/>
-            <a:ext cx="732542" cy="658077"/>
-            <a:chOff x="2093697" y="2167691"/>
-            <a:chExt cx="732542" cy="658077"/>
-          </a:xfrm>
-        </p:grpSpPr>
-        <p:pic>
-          <p:nvPicPr>
-            <p:cNvPr id="75" name="Picture 74" descr="wireless.jpg"/>
-            <p:cNvPicPr>
-              <a:picLocks noChangeAspect="1"/>
-            </p:cNvPicPr>
-            <p:nvPr/>
-          </p:nvPicPr>
-          <p:blipFill>
-            <a:blip r:embed="rId2" cstate="screen">
-              <a:extLst>
-                <a:ext uri="{28A0092B-C50C-407E-A947-70E740481C1C}">
-                  <a14:useLocalDpi xmlns:a14="http://schemas.microsoft.com/office/drawing/2010/main"/>
-                </a:ext>
-              </a:extLst>
-            </a:blip>
-            <a:stretch>
-              <a:fillRect/>
-            </a:stretch>
-          </p:blipFill>
-          <p:spPr>
-            <a:xfrm flipH="1">
-              <a:off x="2093697" y="2167691"/>
-              <a:ext cx="658077" cy="658077"/>
-            </a:xfrm>
-            <a:prstGeom prst="rect">
-              <a:avLst/>
-            </a:prstGeom>
-          </p:spPr>
-        </p:pic>
-        <p:cxnSp>
-          <p:nvCxnSpPr>
-            <p:cNvPr id="76" name="Straight Connector 75"/>
-            <p:cNvCxnSpPr/>
-            <p:nvPr/>
-          </p:nvCxnSpPr>
-          <p:spPr>
-            <a:xfrm flipH="1">
-              <a:off x="2601957" y="2508947"/>
-              <a:ext cx="224282" cy="0"/>
-            </a:xfrm>
-            <a:prstGeom prst="line">
-              <a:avLst/>
-            </a:prstGeom>
-            <a:ln w="28575">
-              <a:solidFill>
-                <a:schemeClr val="tx1"/>
-              </a:solidFill>
-            </a:ln>
-          </p:spPr>
-          <p:style>
-            <a:lnRef idx="1">
-              <a:schemeClr val="accent1"/>
-            </a:lnRef>
-            <a:fillRef idx="0">
-              <a:schemeClr val="accent1"/>
-            </a:fillRef>
-            <a:effectRef idx="0">
-              <a:schemeClr val="accent1"/>
-            </a:effectRef>
-            <a:fontRef idx="minor">
-              <a:schemeClr val="tx1"/>
-            </a:fontRef>
-          </p:style>
-        </p:cxnSp>
-      </p:grpSp>
-      <p:grpSp>
-        <p:nvGrpSpPr>
-          <p:cNvPr id="78" name="Group 77"/>
-          <p:cNvGrpSpPr/>
-          <p:nvPr/>
-        </p:nvGrpSpPr>
-        <p:grpSpPr>
-          <a:xfrm>
-            <a:off x="2099942" y="4134144"/>
-            <a:ext cx="732542" cy="658077"/>
-            <a:chOff x="2093697" y="2167691"/>
-            <a:chExt cx="732542" cy="658077"/>
-          </a:xfrm>
-        </p:grpSpPr>
-        <p:pic>
-          <p:nvPicPr>
-            <p:cNvPr id="82" name="Picture 81" descr="wireless.jpg"/>
-            <p:cNvPicPr>
-              <a:picLocks noChangeAspect="1"/>
-            </p:cNvPicPr>
-            <p:nvPr/>
-          </p:nvPicPr>
-          <p:blipFill>
-            <a:blip r:embed="rId2" cstate="screen">
-              <a:extLst>
-                <a:ext uri="{28A0092B-C50C-407E-A947-70E740481C1C}">
-                  <a14:useLocalDpi xmlns:a14="http://schemas.microsoft.com/office/drawing/2010/main"/>
-                </a:ext>
-              </a:extLst>
-            </a:blip>
-            <a:stretch>
-              <a:fillRect/>
-            </a:stretch>
-          </p:blipFill>
-          <p:spPr>
-            <a:xfrm flipH="1">
-              <a:off x="2093697" y="2167691"/>
-              <a:ext cx="658077" cy="658077"/>
-            </a:xfrm>
-            <a:prstGeom prst="rect">
-              <a:avLst/>
-            </a:prstGeom>
-          </p:spPr>
-        </p:pic>
-        <p:cxnSp>
-          <p:nvCxnSpPr>
-            <p:cNvPr id="84" name="Straight Connector 83"/>
-            <p:cNvCxnSpPr/>
-            <p:nvPr/>
-          </p:nvCxnSpPr>
-          <p:spPr>
-            <a:xfrm flipH="1">
-              <a:off x="2601957" y="2508947"/>
-              <a:ext cx="224282" cy="0"/>
-            </a:xfrm>
-            <a:prstGeom prst="line">
-              <a:avLst/>
-            </a:prstGeom>
-            <a:ln w="28575">
-              <a:solidFill>
-                <a:schemeClr val="tx1"/>
-              </a:solidFill>
-            </a:ln>
-          </p:spPr>
-          <p:style>
-            <a:lnRef idx="1">
-              <a:schemeClr val="accent1"/>
-            </a:lnRef>
-            <a:fillRef idx="0">
-              <a:schemeClr val="accent1"/>
-            </a:fillRef>
-            <a:effectRef idx="0">
-              <a:schemeClr val="accent1"/>
-            </a:effectRef>
-            <a:fontRef idx="minor">
-              <a:schemeClr val="tx1"/>
-            </a:fontRef>
-          </p:style>
-        </p:cxnSp>
-      </p:grpSp>
-      <p:pic>
-        <p:nvPicPr>
-          <p:cNvPr id="234" name="Picture 233"/>
-          <p:cNvPicPr>
-            <a:picLocks noChangeAspect="1"/>
-          </p:cNvPicPr>
-          <p:nvPr/>
-        </p:nvPicPr>
-        <p:blipFill>
-          <a:blip r:embed="rId3">
-            <a:extLst>
-              <a:ext uri="{28A0092B-C50C-407E-A947-70E740481C1C}">
-                <a14:useLocalDpi xmlns:a14="http://schemas.microsoft.com/office/drawing/2010/main" val="0"/>
-              </a:ext>
-            </a:extLst>
-          </a:blip>
-          <a:stretch>
-            <a:fillRect/>
-          </a:stretch>
-        </p:blipFill>
-        <p:spPr>
-          <a:xfrm>
-            <a:off x="1205673" y="2467685"/>
-            <a:ext cx="812800" cy="914400"/>
-          </a:xfrm>
-          <a:prstGeom prst="rect">
-            <a:avLst/>
-          </a:prstGeom>
-        </p:spPr>
-      </p:pic>
-      <p:pic>
-        <p:nvPicPr>
-          <p:cNvPr id="235" name="Picture 234"/>
-          <p:cNvPicPr>
-            <a:picLocks noChangeAspect="1"/>
-          </p:cNvPicPr>
-          <p:nvPr/>
-        </p:nvPicPr>
-        <p:blipFill>
-          <a:blip r:embed="rId4">
-            <a:extLst>
-              <a:ext uri="{28A0092B-C50C-407E-A947-70E740481C1C}">
-                <a14:useLocalDpi xmlns:a14="http://schemas.microsoft.com/office/drawing/2010/main" val="0"/>
-              </a:ext>
-            </a:extLst>
-          </a:blip>
-          <a:stretch>
-            <a:fillRect/>
-          </a:stretch>
-        </p:blipFill>
-        <p:spPr>
-          <a:xfrm>
-            <a:off x="760201" y="1831178"/>
-            <a:ext cx="495300" cy="647700"/>
-          </a:xfrm>
-          <a:prstGeom prst="rect">
-            <a:avLst/>
-          </a:prstGeom>
-        </p:spPr>
-      </p:pic>
-      <p:pic>
-        <p:nvPicPr>
-          <p:cNvPr id="236" name="Picture 235"/>
-          <p:cNvPicPr>
-            <a:picLocks noChangeAspect="1"/>
-          </p:cNvPicPr>
-          <p:nvPr/>
-        </p:nvPicPr>
-        <p:blipFill>
-          <a:blip r:embed="rId5">
-            <a:extLst>
-              <a:ext uri="{28A0092B-C50C-407E-A947-70E740481C1C}">
-                <a14:useLocalDpi xmlns:a14="http://schemas.microsoft.com/office/drawing/2010/main" val="0"/>
-              </a:ext>
-            </a:extLst>
-          </a:blip>
-          <a:stretch>
-            <a:fillRect/>
-          </a:stretch>
-        </p:blipFill>
-        <p:spPr>
-          <a:xfrm>
-            <a:off x="535329" y="3594768"/>
-            <a:ext cx="1030075" cy="983253"/>
-          </a:xfrm>
-          <a:prstGeom prst="rect">
-            <a:avLst/>
-          </a:prstGeom>
-        </p:spPr>
-      </p:pic>
-      <p:pic>
-        <p:nvPicPr>
-          <p:cNvPr id="86" name="Picture 85"/>
-          <p:cNvPicPr>
-            <a:picLocks noChangeAspect="1"/>
-          </p:cNvPicPr>
-          <p:nvPr/>
-        </p:nvPicPr>
-        <p:blipFill>
-          <a:blip r:embed="rId4">
-            <a:extLst>
-              <a:ext uri="{28A0092B-C50C-407E-A947-70E740481C1C}">
-                <a14:useLocalDpi xmlns:a14="http://schemas.microsoft.com/office/drawing/2010/main" val="0"/>
-              </a:ext>
-            </a:extLst>
-          </a:blip>
-          <a:stretch>
-            <a:fillRect/>
-          </a:stretch>
-        </p:blipFill>
-        <p:spPr>
-          <a:xfrm>
-            <a:off x="1450718" y="4713058"/>
-            <a:ext cx="495300" cy="647700"/>
-          </a:xfrm>
-          <a:prstGeom prst="rect">
-            <a:avLst/>
-          </a:prstGeom>
-        </p:spPr>
-      </p:pic>
-      <p:sp>
-        <p:nvSpPr>
-          <p:cNvPr id="93" name="Rectangle 92"/>
-          <p:cNvSpPr/>
-          <p:nvPr/>
-        </p:nvSpPr>
-        <p:spPr>
-          <a:xfrm>
-            <a:off x="7727133" y="3648505"/>
-            <a:ext cx="727058" cy="672672"/>
+            <a:off x="6234199" y="3671134"/>
+            <a:ext cx="1432137" cy="672672"/>
           </a:xfrm>
           <a:prstGeom prst="rect">
             <a:avLst/>
@@ -6973,16 +5347,54 @@
           </a:p>
         </p:txBody>
       </p:sp>
-      <p:sp>
-        <p:nvSpPr>
-          <p:cNvPr id="95" name="Rectangle 94"/>
+      <p:cxnSp>
+        <p:nvCxnSpPr>
+          <p:cNvPr id="38" name="Straight Connector 37"/>
+          <p:cNvCxnSpPr>
+            <a:stCxn id="95" idx="0"/>
+            <a:endCxn id="101" idx="2"/>
+          </p:cNvCxnSpPr>
+          <p:nvPr/>
+        </p:nvCxnSpPr>
+        <p:spPr>
+          <a:xfrm flipV="1">
+            <a:off x="6950268" y="3330603"/>
+            <a:ext cx="0" cy="340531"/>
+          </a:xfrm>
+          <a:prstGeom prst="line">
+            <a:avLst/>
+          </a:prstGeom>
+          <a:ln w="28575">
+            <a:solidFill>
+              <a:schemeClr val="tx1"/>
+            </a:solidFill>
+          </a:ln>
+        </p:spPr>
+        <p:style>
+          <a:lnRef idx="1">
+            <a:schemeClr val="accent1"/>
+          </a:lnRef>
+          <a:fillRef idx="0">
+            <a:schemeClr val="accent1"/>
+          </a:fillRef>
+          <a:effectRef idx="0">
+            <a:schemeClr val="accent1"/>
+          </a:effectRef>
+          <a:fontRef idx="minor">
+            <a:schemeClr val="tx1"/>
+          </a:fontRef>
+        </p:style>
+      </p:cxnSp>
+      <p:sp>
+        <p:nvSpPr>
+          <p:cNvPr id="101" name="Rectangle 100"/>
           <p:cNvSpPr/>
           <p:nvPr/>
         </p:nvSpPr>
         <p:spPr>
           <a:xfrm>
-            <a:off x="8673056" y="3649898"/>
-            <a:ext cx="778561" cy="672672"/>
+            <a:off x="6234199" y="2657931"/>
+            <a:ext cx="1432137" cy="672672"/>
           </a:xfrm>
           <a:prstGeom prst="rect">
             <a:avLst/>
@@ -7027,7 +5439,7 @@
                   <a:schemeClr val="tx1"/>
                 </a:solidFill>
               </a:rPr>
-              <a:t>PGW</a:t>
+              <a:t>MME</a:t>
             </a:r>
             <a:endParaRPr lang="en-US" sz="2000" dirty="0">
               <a:solidFill>
@@ -7039,25 +5451,27 @@
       </p:sp>
       <p:cxnSp>
         <p:nvCxnSpPr>
-          <p:cNvPr id="32" name="Straight Connector 31"/>
+          <p:cNvPr id="248" name="Straight Arrow Connector 247"/>
           <p:cNvCxnSpPr>
-            <a:stCxn id="93" idx="3"/>
-            <a:endCxn id="95" idx="1"/>
+            <a:stCxn id="37" idx="3"/>
+            <a:endCxn id="246" idx="1"/>
           </p:cNvCxnSpPr>
           <p:nvPr/>
         </p:nvCxnSpPr>
         <p:spPr>
-          <a:xfrm>
-            <a:off x="8454191" y="3984841"/>
-            <a:ext cx="218865" cy="1393"/>
-          </a:xfrm>
-          <a:prstGeom prst="line">
+          <a:xfrm flipV="1">
+            <a:off x="9343105" y="4004697"/>
+            <a:ext cx="850260" cy="2773"/>
+          </a:xfrm>
+          <a:prstGeom prst="straightConnector1">
             <a:avLst/>
           </a:prstGeom>
           <a:ln w="28575">
             <a:solidFill>
               <a:schemeClr val="tx1"/>
             </a:solidFill>
+            <a:headEnd type="triangle" w="med" len="med"/>
+            <a:tailEnd type="triangle" w="med" len="med"/>
           </a:ln>
         </p:spPr>
         <p:style>
@@ -7075,126 +5489,185 @@
           </a:fontRef>
         </p:style>
       </p:cxnSp>
-      <p:cxnSp>
-        <p:nvCxnSpPr>
-          <p:cNvPr id="36" name="Straight Connector 35"/>
-          <p:cNvCxnSpPr>
-            <a:stCxn id="21" idx="3"/>
-            <a:endCxn id="101" idx="1"/>
-          </p:cNvCxnSpPr>
+      <p:sp>
+        <p:nvSpPr>
+          <p:cNvPr id="57" name="Oval 56"/>
+          <p:cNvSpPr/>
           <p:nvPr/>
-        </p:nvCxnSpPr>
-        <p:spPr>
-          <a:xfrm flipV="1">
-            <a:off x="6943726" y="2958283"/>
-            <a:ext cx="797405" cy="477861"/>
-          </a:xfrm>
-          <a:prstGeom prst="line">
+        </p:nvSpPr>
+        <p:spPr>
+          <a:xfrm>
+            <a:off x="1313602" y="1188351"/>
+            <a:ext cx="2737179" cy="2779504"/>
+          </a:xfrm>
+          <a:prstGeom prst="ellipse">
             <a:avLst/>
           </a:prstGeom>
-          <a:ln w="28575">
-            <a:solidFill>
-              <a:schemeClr val="tx1"/>
-            </a:solidFill>
-          </a:ln>
+          <a:noFill/>
         </p:spPr>
         <p:style>
-          <a:lnRef idx="1">
+          <a:lnRef idx="2">
             <a:schemeClr val="accent1"/>
           </a:lnRef>
-          <a:fillRef idx="0">
-            <a:schemeClr val="accent1"/>
+          <a:fillRef idx="1">
+            <a:schemeClr val="lt1"/>
           </a:fillRef>
           <a:effectRef idx="0">
             <a:schemeClr val="accent1"/>
           </a:effectRef>
           <a:fontRef idx="minor">
-            <a:schemeClr val="tx1"/>
+            <a:schemeClr val="dk1"/>
           </a:fontRef>
         </p:style>
-      </p:cxnSp>
-      <p:cxnSp>
-        <p:nvCxnSpPr>
-          <p:cNvPr id="38" name="Straight Connector 37"/>
-          <p:cNvCxnSpPr>
-            <a:stCxn id="93" idx="0"/>
-          </p:cNvCxnSpPr>
+        <p:txBody>
+          <a:bodyPr rtlCol="0" anchor="ctr"/>
+          <a:lstStyle/>
+          <a:p>
+            <a:pPr algn="ctr"/>
+            <a:endParaRPr lang="en-US"/>
+          </a:p>
+        </p:txBody>
+      </p:sp>
+      <p:sp>
+        <p:nvSpPr>
+          <p:cNvPr id="119" name="Oval 118"/>
+          <p:cNvSpPr/>
           <p:nvPr/>
-        </p:nvCxnSpPr>
-        <p:spPr>
-          <a:xfrm flipH="1" flipV="1">
-            <a:off x="8089580" y="3274137"/>
-            <a:ext cx="1082" cy="374368"/>
-          </a:xfrm>
-          <a:prstGeom prst="line">
+        </p:nvSpPr>
+        <p:spPr>
+          <a:xfrm>
+            <a:off x="1312852" y="3152276"/>
+            <a:ext cx="2737179" cy="2779504"/>
+          </a:xfrm>
+          <a:prstGeom prst="ellipse">
             <a:avLst/>
           </a:prstGeom>
-          <a:ln w="28575">
-            <a:solidFill>
-              <a:schemeClr val="tx1"/>
-            </a:solidFill>
-          </a:ln>
+          <a:noFill/>
         </p:spPr>
         <p:style>
-          <a:lnRef idx="1">
+          <a:lnRef idx="2">
             <a:schemeClr val="accent1"/>
           </a:lnRef>
-          <a:fillRef idx="0">
-            <a:schemeClr val="accent1"/>
+          <a:fillRef idx="1">
+            <a:schemeClr val="lt1"/>
           </a:fillRef>
           <a:effectRef idx="0">
             <a:schemeClr val="accent1"/>
           </a:effectRef>
           <a:fontRef idx="minor">
-            <a:schemeClr val="tx1"/>
+            <a:schemeClr val="dk1"/>
           </a:fontRef>
         </p:style>
-      </p:cxnSp>
-      <p:cxnSp>
-        <p:nvCxnSpPr>
-          <p:cNvPr id="108" name="Straight Connector 107"/>
-          <p:cNvCxnSpPr/>
+        <p:txBody>
+          <a:bodyPr rtlCol="0" anchor="ctr"/>
+          <a:lstStyle/>
+          <a:p>
+            <a:pPr algn="ctr"/>
+            <a:endParaRPr lang="en-US"/>
+          </a:p>
+        </p:txBody>
+      </p:sp>
+      <p:sp>
+        <p:nvSpPr>
+          <p:cNvPr id="58" name="TextBox 57"/>
+          <p:cNvSpPr txBox="1"/>
           <p:nvPr/>
-        </p:nvCxnSpPr>
-        <p:spPr>
-          <a:xfrm flipH="1" flipV="1">
-            <a:off x="9067890" y="3279057"/>
-            <a:ext cx="1082" cy="374368"/>
-          </a:xfrm>
-          <a:prstGeom prst="line">
+        </p:nvSpPr>
+        <p:spPr>
+          <a:xfrm>
+            <a:off x="2422669" y="1247974"/>
+            <a:ext cx="529312" cy="369332"/>
+          </a:xfrm>
+          <a:prstGeom prst="rect">
             <a:avLst/>
           </a:prstGeom>
-          <a:ln w="28575">
-            <a:solidFill>
-              <a:schemeClr val="tx1"/>
-            </a:solidFill>
-          </a:ln>
-        </p:spPr>
-        <p:style>
-          <a:lnRef idx="1">
-            <a:schemeClr val="accent1"/>
-          </a:lnRef>
-          <a:fillRef idx="0">
-            <a:schemeClr val="accent1"/>
-          </a:fillRef>
-          <a:effectRef idx="0">
-            <a:schemeClr val="accent1"/>
-          </a:effectRef>
-          <a:fontRef idx="minor">
-            <a:schemeClr val="tx1"/>
-          </a:fontRef>
-        </p:style>
-      </p:cxnSp>
-      <p:sp>
-        <p:nvSpPr>
-          <p:cNvPr id="101" name="Rectangle 100"/>
+          <a:noFill/>
+        </p:spPr>
+        <p:txBody>
+          <a:bodyPr wrap="none" rtlCol="0">
+            <a:spAutoFit/>
+          </a:bodyPr>
+          <a:lstStyle/>
+          <a:p>
+            <a:r>
+              <a:rPr lang="en-US" smtClean="0"/>
+              <a:t>Cell</a:t>
+            </a:r>
+            <a:endParaRPr lang="en-US"/>
+          </a:p>
+        </p:txBody>
+      </p:sp>
+      <p:sp>
+        <p:nvSpPr>
+          <p:cNvPr id="121" name="TextBox 120"/>
+          <p:cNvSpPr txBox="1"/>
+          <p:nvPr/>
+        </p:nvSpPr>
+        <p:spPr>
+          <a:xfrm>
+            <a:off x="2402787" y="5487852"/>
+            <a:ext cx="529312" cy="369332"/>
+          </a:xfrm>
+          <a:prstGeom prst="rect">
+            <a:avLst/>
+          </a:prstGeom>
+          <a:noFill/>
+        </p:spPr>
+        <p:txBody>
+          <a:bodyPr wrap="none" rtlCol="0">
+            <a:spAutoFit/>
+          </a:bodyPr>
+          <a:lstStyle/>
+          <a:p>
+            <a:r>
+              <a:rPr lang="en-US" smtClean="0"/>
+              <a:t>Cell</a:t>
+            </a:r>
+            <a:endParaRPr lang="en-US"/>
+          </a:p>
+        </p:txBody>
+      </p:sp>
+      <p:sp>
+        <p:nvSpPr>
+          <p:cNvPr id="49" name="TextBox 48"/>
+          <p:cNvSpPr txBox="1"/>
+          <p:nvPr/>
+        </p:nvSpPr>
+        <p:spPr>
+          <a:xfrm rot="16200000">
+            <a:off x="-323090" y="3189303"/>
+            <a:ext cx="2798523" cy="461665"/>
+          </a:xfrm>
+          <a:prstGeom prst="rect">
+            <a:avLst/>
+          </a:prstGeom>
+          <a:noFill/>
+        </p:spPr>
+        <p:txBody>
+          <a:bodyPr wrap="none" rtlCol="0">
+            <a:spAutoFit/>
+          </a:bodyPr>
+          <a:lstStyle/>
+          <a:p>
+            <a:pPr algn="ctr"/>
+            <a:r>
+              <a:rPr lang="en-US" sz="2400" smtClean="0"/>
+              <a:t>User Equipment (UE)</a:t>
+            </a:r>
+            <a:endParaRPr lang="en-US" sz="2400" dirty="0"/>
+          </a:p>
+        </p:txBody>
+      </p:sp>
+      <p:sp>
+        <p:nvSpPr>
+          <p:cNvPr id="37" name="Rectangle 36"/>
           <p:cNvSpPr/>
           <p:nvPr/>
         </p:nvSpPr>
         <p:spPr>
           <a:xfrm>
-            <a:off x="7741131" y="2621947"/>
-            <a:ext cx="1710486" cy="672672"/>
+            <a:off x="7910968" y="3671134"/>
+            <a:ext cx="1432137" cy="672672"/>
           </a:xfrm>
           <a:prstGeom prst="rect">
             <a:avLst/>
@@ -7234,12 +5707,20 @@
               </a:lnSpc>
             </a:pPr>
             <a:r>
+              <a:rPr lang="en-US" sz="2000" dirty="0">
+                <a:solidFill>
+                  <a:schemeClr val="tx1"/>
+                </a:solidFill>
+              </a:rPr>
+              <a:t>P</a:t>
+            </a:r>
+            <a:r>
               <a:rPr lang="en-US" sz="2000" smtClean="0">
                 <a:solidFill>
                   <a:schemeClr val="tx1"/>
                 </a:solidFill>
               </a:rPr>
-              <a:t>MME</a:t>
+              <a:t>GW</a:t>
             </a:r>
             <a:endParaRPr lang="en-US" sz="2000" dirty="0">
               <a:solidFill>
@@ -7251,27 +5732,25 @@
       </p:sp>
       <p:cxnSp>
         <p:nvCxnSpPr>
-          <p:cNvPr id="248" name="Straight Arrow Connector 247"/>
+          <p:cNvPr id="42" name="Straight Connector 41"/>
           <p:cNvCxnSpPr>
             <a:stCxn id="95" idx="3"/>
-            <a:endCxn id="246" idx="1"/>
+            <a:endCxn id="37" idx="1"/>
           </p:cNvCxnSpPr>
           <p:nvPr/>
         </p:nvCxnSpPr>
         <p:spPr>
-          <a:xfrm flipV="1">
-            <a:off x="9451617" y="3975201"/>
-            <a:ext cx="741748" cy="11033"/>
-          </a:xfrm>
-          <a:prstGeom prst="straightConnector1">
+          <a:xfrm>
+            <a:off x="7666336" y="4007470"/>
+            <a:ext cx="244632" cy="0"/>
+          </a:xfrm>
+          <a:prstGeom prst="line">
             <a:avLst/>
           </a:prstGeom>
           <a:ln w="28575">
             <a:solidFill>
               <a:schemeClr val="tx1"/>
             </a:solidFill>
-            <a:headEnd type="triangle" w="med" len="med"/>
-            <a:tailEnd type="triangle" w="med" len="med"/>
           </a:ln>
         </p:spPr>
         <p:style>
@@ -7291,57 +5770,89 @@
       </p:cxnSp>
       <p:sp>
         <p:nvSpPr>
-          <p:cNvPr id="111" name="TextBox 110"/>
-          <p:cNvSpPr txBox="1"/>
+          <p:cNvPr id="45" name="Rectangle 44"/>
+          <p:cNvSpPr/>
           <p:nvPr/>
         </p:nvSpPr>
         <p:spPr>
           <a:xfrm>
-            <a:off x="10185406" y="2595169"/>
-            <a:ext cx="2050838" cy="707886"/>
+            <a:off x="7910967" y="2661152"/>
+            <a:ext cx="1432137" cy="672672"/>
           </a:xfrm>
           <a:prstGeom prst="rect">
             <a:avLst/>
           </a:prstGeom>
-          <a:noFill/>
-        </p:spPr>
-        <p:txBody>
-          <a:bodyPr wrap="square" rtlCol="0">
-            <a:spAutoFit/>
-          </a:bodyPr>
-          <a:lstStyle/>
-          <a:p>
-            <a:r>
-              <a:rPr lang="en-US" sz="2000" dirty="0" smtClean="0"/>
-              <a:t>To/From the ISP’s Subscriber DB</a:t>
-            </a:r>
-            <a:endParaRPr lang="en-US" sz="2000" dirty="0"/>
+          <a:solidFill>
+            <a:schemeClr val="bg1"/>
+          </a:solidFill>
+          <a:ln w="28575">
+            <a:solidFill>
+              <a:schemeClr val="tx1"/>
+            </a:solidFill>
+          </a:ln>
+        </p:spPr>
+        <p:style>
+          <a:lnRef idx="2">
+            <a:schemeClr val="accent1">
+              <a:shade val="50000"/>
+            </a:schemeClr>
+          </a:lnRef>
+          <a:fillRef idx="1">
+            <a:schemeClr val="accent1"/>
+          </a:fillRef>
+          <a:effectRef idx="0">
+            <a:schemeClr val="accent1"/>
+          </a:effectRef>
+          <a:fontRef idx="minor">
+            <a:schemeClr val="lt1"/>
+          </a:fontRef>
+        </p:style>
+        <p:txBody>
+          <a:bodyPr rtlCol="0" anchor="ctr"/>
+          <a:lstStyle/>
+          <a:p>
+            <a:pPr algn="ctr">
+              <a:lnSpc>
+                <a:spcPct val="90000"/>
+              </a:lnSpc>
+            </a:pPr>
+            <a:r>
+              <a:rPr lang="en-US" sz="2000" dirty="0" smtClean="0">
+                <a:solidFill>
+                  <a:schemeClr val="tx1"/>
+                </a:solidFill>
+              </a:rPr>
+              <a:t>HSS</a:t>
+            </a:r>
+            <a:endParaRPr lang="en-US" sz="2000" dirty="0">
+              <a:solidFill>
+                <a:schemeClr val="tx1"/>
+              </a:solidFill>
+            </a:endParaRPr>
           </a:p>
         </p:txBody>
       </p:sp>
       <p:cxnSp>
         <p:nvCxnSpPr>
-          <p:cNvPr id="114" name="Straight Arrow Connector 113"/>
+          <p:cNvPr id="48" name="Straight Connector 47"/>
           <p:cNvCxnSpPr>
             <a:stCxn id="101" idx="3"/>
-            <a:endCxn id="111" idx="1"/>
+            <a:endCxn id="45" idx="1"/>
           </p:cNvCxnSpPr>
           <p:nvPr/>
         </p:nvCxnSpPr>
         <p:spPr>
-          <a:xfrm flipV="1">
-            <a:off x="9451617" y="2949112"/>
-            <a:ext cx="733789" cy="9171"/>
-          </a:xfrm>
-          <a:prstGeom prst="straightConnector1">
+          <a:xfrm>
+            <a:off x="7666336" y="2994267"/>
+            <a:ext cx="244631" cy="3221"/>
+          </a:xfrm>
+          <a:prstGeom prst="line">
             <a:avLst/>
           </a:prstGeom>
           <a:ln w="28575">
             <a:solidFill>
               <a:schemeClr val="tx1"/>
             </a:solidFill>
-            <a:headEnd type="triangle" w="med" len="med"/>
-            <a:tailEnd type="triangle" w="med" len="med"/>
           </a:ln>
         </p:spPr>
         <p:style>
@@ -7359,148 +5870,10 @@
           </a:fontRef>
         </p:style>
       </p:cxnSp>
-      <p:sp>
-        <p:nvSpPr>
-          <p:cNvPr id="57" name="Oval 56"/>
-          <p:cNvSpPr/>
-          <p:nvPr/>
-        </p:nvSpPr>
-        <p:spPr>
-          <a:xfrm>
-            <a:off x="59989" y="1188351"/>
-            <a:ext cx="2737179" cy="2779504"/>
-          </a:xfrm>
-          <a:prstGeom prst="ellipse">
-            <a:avLst/>
-          </a:prstGeom>
-          <a:noFill/>
-        </p:spPr>
-        <p:style>
-          <a:lnRef idx="2">
-            <a:schemeClr val="accent1"/>
-          </a:lnRef>
-          <a:fillRef idx="1">
-            <a:schemeClr val="lt1"/>
-          </a:fillRef>
-          <a:effectRef idx="0">
-            <a:schemeClr val="accent1"/>
-          </a:effectRef>
-          <a:fontRef idx="minor">
-            <a:schemeClr val="dk1"/>
-          </a:fontRef>
-        </p:style>
-        <p:txBody>
-          <a:bodyPr rtlCol="0" anchor="ctr"/>
-          <a:lstStyle/>
-          <a:p>
-            <a:pPr algn="ctr"/>
-            <a:endParaRPr lang="en-US"/>
-          </a:p>
-        </p:txBody>
-      </p:sp>
-      <p:sp>
-        <p:nvSpPr>
-          <p:cNvPr id="119" name="Oval 118"/>
-          <p:cNvSpPr/>
-          <p:nvPr/>
-        </p:nvSpPr>
-        <p:spPr>
-          <a:xfrm>
-            <a:off x="59239" y="3152276"/>
-            <a:ext cx="2737179" cy="2779504"/>
-          </a:xfrm>
-          <a:prstGeom prst="ellipse">
-            <a:avLst/>
-          </a:prstGeom>
-          <a:noFill/>
-        </p:spPr>
-        <p:style>
-          <a:lnRef idx="2">
-            <a:schemeClr val="accent1"/>
-          </a:lnRef>
-          <a:fillRef idx="1">
-            <a:schemeClr val="lt1"/>
-          </a:fillRef>
-          <a:effectRef idx="0">
-            <a:schemeClr val="accent1"/>
-          </a:effectRef>
-          <a:fontRef idx="minor">
-            <a:schemeClr val="dk1"/>
-          </a:fontRef>
-        </p:style>
-        <p:txBody>
-          <a:bodyPr rtlCol="0" anchor="ctr"/>
-          <a:lstStyle/>
-          <a:p>
-            <a:pPr algn="ctr"/>
-            <a:endParaRPr lang="en-US"/>
-          </a:p>
-        </p:txBody>
-      </p:sp>
-      <p:sp>
-        <p:nvSpPr>
-          <p:cNvPr id="58" name="TextBox 57"/>
-          <p:cNvSpPr txBox="1"/>
-          <p:nvPr/>
-        </p:nvSpPr>
-        <p:spPr>
-          <a:xfrm>
-            <a:off x="1169056" y="1247974"/>
-            <a:ext cx="529312" cy="369332"/>
-          </a:xfrm>
-          <a:prstGeom prst="rect">
-            <a:avLst/>
-          </a:prstGeom>
-          <a:noFill/>
-        </p:spPr>
-        <p:txBody>
-          <a:bodyPr wrap="none" rtlCol="0">
-            <a:spAutoFit/>
-          </a:bodyPr>
-          <a:lstStyle/>
-          <a:p>
-            <a:r>
-              <a:rPr lang="en-US" smtClean="0"/>
-              <a:t>Cell</a:t>
-            </a:r>
-            <a:endParaRPr lang="en-US"/>
-          </a:p>
-        </p:txBody>
-      </p:sp>
-      <p:sp>
-        <p:nvSpPr>
-          <p:cNvPr id="121" name="TextBox 120"/>
-          <p:cNvSpPr txBox="1"/>
-          <p:nvPr/>
-        </p:nvSpPr>
-        <p:spPr>
-          <a:xfrm>
-            <a:off x="1149174" y="5487852"/>
-            <a:ext cx="529312" cy="369332"/>
-          </a:xfrm>
-          <a:prstGeom prst="rect">
-            <a:avLst/>
-          </a:prstGeom>
-          <a:noFill/>
-        </p:spPr>
-        <p:txBody>
-          <a:bodyPr wrap="none" rtlCol="0">
-            <a:spAutoFit/>
-          </a:bodyPr>
-          <a:lstStyle/>
-          <a:p>
-            <a:r>
-              <a:rPr lang="en-US" smtClean="0"/>
-              <a:t>Cell</a:t>
-            </a:r>
-            <a:endParaRPr lang="en-US"/>
-          </a:p>
-        </p:txBody>
-      </p:sp>
     </p:spTree>
     <p:extLst>
       <p:ext uri="{BB962C8B-B14F-4D97-AF65-F5344CB8AC3E}">
-        <p14:creationId xmlns:p14="http://schemas.microsoft.com/office/powerpoint/2010/main" val="772063634"/>
+        <p14:creationId xmlns:p14="http://schemas.microsoft.com/office/powerpoint/2010/main" val="1281576442"/>
       </p:ext>
     </p:extLst>
   </p:cSld>

--- a/direct/figures/access.pptx
+++ b/direct/figures/access.pptx
@@ -7,6 +7,7 @@
   <p:sldIdLst>
     <p:sldId id="257" r:id="rId2"/>
     <p:sldId id="259" r:id="rId3"/>
+    <p:sldId id="260" r:id="rId4"/>
   </p:sldIdLst>
   <p:sldSz cx="12192000" cy="6858000"/>
   <p:notesSz cx="6858000" cy="9144000"/>
@@ -244,7 +245,7 @@
           <a:p>
             <a:fld id="{5D97E163-DB95-D24D-8C95-263DECB1FC34}" type="datetimeFigureOut">
               <a:rPr lang="en-US" smtClean="0"/>
-              <a:t>12/31/18</a:t>
+              <a:t>4/2/19</a:t>
             </a:fld>
             <a:endParaRPr lang="en-US"/>
           </a:p>
@@ -414,7 +415,7 @@
           <a:p>
             <a:fld id="{5D97E163-DB95-D24D-8C95-263DECB1FC34}" type="datetimeFigureOut">
               <a:rPr lang="en-US" smtClean="0"/>
-              <a:t>12/31/18</a:t>
+              <a:t>4/2/19</a:t>
             </a:fld>
             <a:endParaRPr lang="en-US"/>
           </a:p>
@@ -594,7 +595,7 @@
           <a:p>
             <a:fld id="{5D97E163-DB95-D24D-8C95-263DECB1FC34}" type="datetimeFigureOut">
               <a:rPr lang="en-US" smtClean="0"/>
-              <a:t>12/31/18</a:t>
+              <a:t>4/2/19</a:t>
             </a:fld>
             <a:endParaRPr lang="en-US"/>
           </a:p>
@@ -764,7 +765,7 @@
           <a:p>
             <a:fld id="{5D97E163-DB95-D24D-8C95-263DECB1FC34}" type="datetimeFigureOut">
               <a:rPr lang="en-US" smtClean="0"/>
-              <a:t>12/31/18</a:t>
+              <a:t>4/2/19</a:t>
             </a:fld>
             <a:endParaRPr lang="en-US"/>
           </a:p>
@@ -1010,7 +1011,7 @@
           <a:p>
             <a:fld id="{5D97E163-DB95-D24D-8C95-263DECB1FC34}" type="datetimeFigureOut">
               <a:rPr lang="en-US" smtClean="0"/>
-              <a:t>12/31/18</a:t>
+              <a:t>4/2/19</a:t>
             </a:fld>
             <a:endParaRPr lang="en-US"/>
           </a:p>
@@ -1242,7 +1243,7 @@
           <a:p>
             <a:fld id="{5D97E163-DB95-D24D-8C95-263DECB1FC34}" type="datetimeFigureOut">
               <a:rPr lang="en-US" smtClean="0"/>
-              <a:t>12/31/18</a:t>
+              <a:t>4/2/19</a:t>
             </a:fld>
             <a:endParaRPr lang="en-US"/>
           </a:p>
@@ -1609,7 +1610,7 @@
           <a:p>
             <a:fld id="{5D97E163-DB95-D24D-8C95-263DECB1FC34}" type="datetimeFigureOut">
               <a:rPr lang="en-US" smtClean="0"/>
-              <a:t>12/31/18</a:t>
+              <a:t>4/2/19</a:t>
             </a:fld>
             <a:endParaRPr lang="en-US"/>
           </a:p>
@@ -1727,7 +1728,7 @@
           <a:p>
             <a:fld id="{5D97E163-DB95-D24D-8C95-263DECB1FC34}" type="datetimeFigureOut">
               <a:rPr lang="en-US" smtClean="0"/>
-              <a:t>12/31/18</a:t>
+              <a:t>4/2/19</a:t>
             </a:fld>
             <a:endParaRPr lang="en-US"/>
           </a:p>
@@ -1822,7 +1823,7 @@
           <a:p>
             <a:fld id="{5D97E163-DB95-D24D-8C95-263DECB1FC34}" type="datetimeFigureOut">
               <a:rPr lang="en-US" smtClean="0"/>
-              <a:t>12/31/18</a:t>
+              <a:t>4/2/19</a:t>
             </a:fld>
             <a:endParaRPr lang="en-US"/>
           </a:p>
@@ -2099,7 +2100,7 @@
           <a:p>
             <a:fld id="{5D97E163-DB95-D24D-8C95-263DECB1FC34}" type="datetimeFigureOut">
               <a:rPr lang="en-US" smtClean="0"/>
-              <a:t>12/31/18</a:t>
+              <a:t>4/2/19</a:t>
             </a:fld>
             <a:endParaRPr lang="en-US"/>
           </a:p>
@@ -2352,7 +2353,7 @@
           <a:p>
             <a:fld id="{5D97E163-DB95-D24D-8C95-263DECB1FC34}" type="datetimeFigureOut">
               <a:rPr lang="en-US" smtClean="0"/>
-              <a:t>12/31/18</a:t>
+              <a:t>4/2/19</a:t>
             </a:fld>
             <a:endParaRPr lang="en-US"/>
           </a:p>
@@ -2565,7 +2566,7 @@
           <a:p>
             <a:fld id="{5D97E163-DB95-D24D-8C95-263DECB1FC34}" type="datetimeFigureOut">
               <a:rPr lang="en-US" smtClean="0"/>
-              <a:t>12/31/18</a:t>
+              <a:t>4/2/19</a:t>
             </a:fld>
             <a:endParaRPr lang="en-US"/>
           </a:p>
@@ -5890,6 +5891,929 @@
 </p:sld>
 </file>
 
+<file path=ppt/slides/slide3.xml><?xml version="1.0" encoding="utf-8"?>
+<p:sld xmlns:a="http://schemas.openxmlformats.org/drawingml/2006/main" xmlns:r="http://schemas.openxmlformats.org/officeDocument/2006/relationships" xmlns:p="http://schemas.openxmlformats.org/presentationml/2006/main">
+  <p:cSld>
+    <p:spTree>
+      <p:nvGrpSpPr>
+        <p:cNvPr id="1" name=""/>
+        <p:cNvGrpSpPr/>
+        <p:nvPr/>
+      </p:nvGrpSpPr>
+      <p:grpSpPr>
+        <a:xfrm>
+          <a:off x="0" y="0"/>
+          <a:ext cx="0" cy="0"/>
+          <a:chOff x="0" y="0"/>
+          <a:chExt cx="0" cy="0"/>
+        </a:xfrm>
+      </p:grpSpPr>
+      <p:sp>
+        <p:nvSpPr>
+          <p:cNvPr id="4" name="TextBox 3"/>
+          <p:cNvSpPr txBox="1"/>
+          <p:nvPr/>
+        </p:nvSpPr>
+        <p:spPr>
+          <a:xfrm flipH="1">
+            <a:off x="8413146" y="1421996"/>
+            <a:ext cx="1572867" cy="400110"/>
+          </a:xfrm>
+          <a:prstGeom prst="rect">
+            <a:avLst/>
+          </a:prstGeom>
+          <a:noFill/>
+        </p:spPr>
+        <p:txBody>
+          <a:bodyPr wrap="none" rtlCol="0" anchor="ctr">
+            <a:spAutoFit/>
+          </a:bodyPr>
+          <a:lstStyle/>
+          <a:p>
+            <a:pPr algn="ctr"/>
+            <a:r>
+              <a:rPr lang="en-US" sz="2000" dirty="0"/>
+              <a:t>Public Clouds</a:t>
+            </a:r>
+          </a:p>
+        </p:txBody>
+      </p:sp>
+      <p:sp>
+        <p:nvSpPr>
+          <p:cNvPr id="5" name="Trapezoid 4"/>
+          <p:cNvSpPr/>
+          <p:nvPr/>
+        </p:nvSpPr>
+        <p:spPr>
+          <a:xfrm rot="5400000" flipH="1">
+            <a:off x="2852820" y="2082723"/>
+            <a:ext cx="798068" cy="404615"/>
+          </a:xfrm>
+          <a:prstGeom prst="trapezoid">
+            <a:avLst>
+              <a:gd name="adj" fmla="val 81339"/>
+            </a:avLst>
+          </a:prstGeom>
+          <a:ln>
+            <a:noFill/>
+          </a:ln>
+        </p:spPr>
+        <p:style>
+          <a:lnRef idx="1">
+            <a:schemeClr val="accent1"/>
+          </a:lnRef>
+          <a:fillRef idx="2">
+            <a:schemeClr val="accent1"/>
+          </a:fillRef>
+          <a:effectRef idx="1">
+            <a:schemeClr val="accent1"/>
+          </a:effectRef>
+          <a:fontRef idx="minor">
+            <a:schemeClr val="dk1"/>
+          </a:fontRef>
+        </p:style>
+        <p:txBody>
+          <a:bodyPr rtlCol="0" anchor="ctr"/>
+          <a:lstStyle/>
+          <a:p>
+            <a:pPr algn="ctr"/>
+            <a:endParaRPr lang="en-US">
+              <a:solidFill>
+                <a:srgbClr val="000000"/>
+              </a:solidFill>
+              <a:latin typeface="Arial"/>
+            </a:endParaRPr>
+          </a:p>
+        </p:txBody>
+      </p:sp>
+      <p:sp>
+        <p:nvSpPr>
+          <p:cNvPr id="6" name="Trapezoid 5"/>
+          <p:cNvSpPr/>
+          <p:nvPr/>
+        </p:nvSpPr>
+        <p:spPr>
+          <a:xfrm rot="5400000" flipH="1">
+            <a:off x="2852820" y="3002988"/>
+            <a:ext cx="798068" cy="404615"/>
+          </a:xfrm>
+          <a:prstGeom prst="trapezoid">
+            <a:avLst>
+              <a:gd name="adj" fmla="val 81339"/>
+            </a:avLst>
+          </a:prstGeom>
+          <a:ln>
+            <a:noFill/>
+          </a:ln>
+        </p:spPr>
+        <p:style>
+          <a:lnRef idx="1">
+            <a:schemeClr val="accent1"/>
+          </a:lnRef>
+          <a:fillRef idx="2">
+            <a:schemeClr val="accent1"/>
+          </a:fillRef>
+          <a:effectRef idx="1">
+            <a:schemeClr val="accent1"/>
+          </a:effectRef>
+          <a:fontRef idx="minor">
+            <a:schemeClr val="dk1"/>
+          </a:fontRef>
+        </p:style>
+        <p:txBody>
+          <a:bodyPr rtlCol="0" anchor="ctr"/>
+          <a:lstStyle/>
+          <a:p>
+            <a:pPr algn="ctr"/>
+            <a:endParaRPr lang="en-US">
+              <a:solidFill>
+                <a:srgbClr val="000000"/>
+              </a:solidFill>
+              <a:latin typeface="Arial"/>
+            </a:endParaRPr>
+          </a:p>
+        </p:txBody>
+      </p:sp>
+      <p:sp>
+        <p:nvSpPr>
+          <p:cNvPr id="7" name="Trapezoid 6"/>
+          <p:cNvSpPr/>
+          <p:nvPr/>
+        </p:nvSpPr>
+        <p:spPr>
+          <a:xfrm rot="5400000" flipH="1">
+            <a:off x="2852820" y="3898222"/>
+            <a:ext cx="798068" cy="404615"/>
+          </a:xfrm>
+          <a:prstGeom prst="trapezoid">
+            <a:avLst>
+              <a:gd name="adj" fmla="val 81339"/>
+            </a:avLst>
+          </a:prstGeom>
+          <a:ln>
+            <a:noFill/>
+          </a:ln>
+        </p:spPr>
+        <p:style>
+          <a:lnRef idx="1">
+            <a:schemeClr val="accent1"/>
+          </a:lnRef>
+          <a:fillRef idx="2">
+            <a:schemeClr val="accent1"/>
+          </a:fillRef>
+          <a:effectRef idx="1">
+            <a:schemeClr val="accent1"/>
+          </a:effectRef>
+          <a:fontRef idx="minor">
+            <a:schemeClr val="dk1"/>
+          </a:fontRef>
+        </p:style>
+        <p:txBody>
+          <a:bodyPr rtlCol="0" anchor="ctr"/>
+          <a:lstStyle/>
+          <a:p>
+            <a:pPr algn="ctr"/>
+            <a:endParaRPr lang="en-US">
+              <a:solidFill>
+                <a:srgbClr val="000000"/>
+              </a:solidFill>
+              <a:latin typeface="Arial"/>
+            </a:endParaRPr>
+          </a:p>
+        </p:txBody>
+      </p:sp>
+      <p:sp>
+        <p:nvSpPr>
+          <p:cNvPr id="8" name="Trapezoid 7"/>
+          <p:cNvSpPr/>
+          <p:nvPr/>
+        </p:nvSpPr>
+        <p:spPr>
+          <a:xfrm rot="5400000" flipH="1">
+            <a:off x="2852820" y="4794334"/>
+            <a:ext cx="798068" cy="404615"/>
+          </a:xfrm>
+          <a:prstGeom prst="trapezoid">
+            <a:avLst>
+              <a:gd name="adj" fmla="val 81339"/>
+            </a:avLst>
+          </a:prstGeom>
+          <a:ln>
+            <a:noFill/>
+          </a:ln>
+        </p:spPr>
+        <p:style>
+          <a:lnRef idx="1">
+            <a:schemeClr val="accent1"/>
+          </a:lnRef>
+          <a:fillRef idx="2">
+            <a:schemeClr val="accent1"/>
+          </a:fillRef>
+          <a:effectRef idx="1">
+            <a:schemeClr val="accent1"/>
+          </a:effectRef>
+          <a:fontRef idx="minor">
+            <a:schemeClr val="dk1"/>
+          </a:fontRef>
+        </p:style>
+        <p:txBody>
+          <a:bodyPr rtlCol="0" anchor="ctr"/>
+          <a:lstStyle/>
+          <a:p>
+            <a:pPr algn="ctr"/>
+            <a:endParaRPr lang="en-US">
+              <a:solidFill>
+                <a:srgbClr val="000000"/>
+              </a:solidFill>
+              <a:latin typeface="Arial"/>
+            </a:endParaRPr>
+          </a:p>
+        </p:txBody>
+      </p:sp>
+      <p:sp>
+        <p:nvSpPr>
+          <p:cNvPr id="9" name="Oval 8"/>
+          <p:cNvSpPr/>
+          <p:nvPr/>
+        </p:nvSpPr>
+        <p:spPr>
+          <a:xfrm flipH="1">
+            <a:off x="1487968" y="1436208"/>
+            <a:ext cx="1470272" cy="4404149"/>
+          </a:xfrm>
+          <a:prstGeom prst="ellipse">
+            <a:avLst/>
+          </a:prstGeom>
+          <a:solidFill>
+            <a:srgbClr val="CFE7F1"/>
+          </a:solidFill>
+          <a:ln>
+            <a:solidFill>
+              <a:srgbClr val="CFE7F1"/>
+            </a:solidFill>
+          </a:ln>
+        </p:spPr>
+        <p:style>
+          <a:lnRef idx="1">
+            <a:schemeClr val="accent1"/>
+          </a:lnRef>
+          <a:fillRef idx="2">
+            <a:schemeClr val="accent1"/>
+          </a:fillRef>
+          <a:effectRef idx="1">
+            <a:schemeClr val="accent1"/>
+          </a:effectRef>
+          <a:fontRef idx="minor">
+            <a:schemeClr val="dk1"/>
+          </a:fontRef>
+        </p:style>
+        <p:txBody>
+          <a:bodyPr rtlCol="0" anchor="ctr"/>
+          <a:lstStyle/>
+          <a:p>
+            <a:pPr algn="ctr"/>
+            <a:r>
+              <a:rPr lang="en-US" sz="2000" dirty="0" smtClean="0">
+                <a:solidFill>
+                  <a:srgbClr val="000000"/>
+                </a:solidFill>
+              </a:rPr>
+              <a:t>Users</a:t>
+            </a:r>
+          </a:p>
+          <a:p>
+            <a:pPr algn="ctr"/>
+            <a:r>
+              <a:rPr lang="en-US" sz="2000" dirty="0" smtClean="0">
+                <a:solidFill>
+                  <a:srgbClr val="000000"/>
+                </a:solidFill>
+              </a:rPr>
+              <a:t>&amp;</a:t>
+            </a:r>
+          </a:p>
+          <a:p>
+            <a:pPr algn="ctr"/>
+            <a:r>
+              <a:rPr lang="en-US" sz="2000" dirty="0" smtClean="0">
+                <a:solidFill>
+                  <a:srgbClr val="000000"/>
+                </a:solidFill>
+              </a:rPr>
+              <a:t>Devices</a:t>
+            </a:r>
+            <a:endParaRPr lang="en-US" sz="2000" dirty="0">
+              <a:solidFill>
+                <a:srgbClr val="000000"/>
+              </a:solidFill>
+            </a:endParaRPr>
+          </a:p>
+        </p:txBody>
+      </p:sp>
+      <p:sp>
+        <p:nvSpPr>
+          <p:cNvPr id="10" name="TextBox 9"/>
+          <p:cNvSpPr txBox="1"/>
+          <p:nvPr/>
+        </p:nvSpPr>
+        <p:spPr>
+          <a:xfrm flipH="1">
+            <a:off x="3625753" y="1421996"/>
+            <a:ext cx="1445396" cy="400110"/>
+          </a:xfrm>
+          <a:prstGeom prst="rect">
+            <a:avLst/>
+          </a:prstGeom>
+          <a:noFill/>
+        </p:spPr>
+        <p:txBody>
+          <a:bodyPr wrap="none" rtlCol="0" anchor="ctr">
+            <a:spAutoFit/>
+          </a:bodyPr>
+          <a:lstStyle/>
+          <a:p>
+            <a:pPr algn="ctr"/>
+            <a:r>
+              <a:rPr lang="en-US" sz="2000" dirty="0"/>
+              <a:t>Edge </a:t>
+            </a:r>
+            <a:r>
+              <a:rPr lang="en-US" sz="2000" dirty="0" smtClean="0"/>
+              <a:t>Clouds</a:t>
+            </a:r>
+            <a:endParaRPr lang="en-US" sz="2000" dirty="0"/>
+          </a:p>
+        </p:txBody>
+      </p:sp>
+      <p:pic>
+        <p:nvPicPr>
+          <p:cNvPr id="11" name="Picture 10" descr="wireless.jpg"/>
+          <p:cNvPicPr>
+            <a:picLocks noChangeAspect="1"/>
+          </p:cNvPicPr>
+          <p:nvPr/>
+        </p:nvPicPr>
+        <p:blipFill>
+          <a:blip r:embed="rId2" cstate="screen">
+            <a:extLst>
+              <a:ext uri="{28A0092B-C50C-407E-A947-70E740481C1C}">
+                <a14:useLocalDpi xmlns:a14="http://schemas.microsoft.com/office/drawing/2010/main"/>
+              </a:ext>
+            </a:extLst>
+          </a:blip>
+          <a:stretch>
+            <a:fillRect/>
+          </a:stretch>
+        </p:blipFill>
+        <p:spPr>
+          <a:xfrm flipH="1">
+            <a:off x="3411251" y="3760589"/>
+            <a:ext cx="613690" cy="626632"/>
+          </a:xfrm>
+          <a:prstGeom prst="rect">
+            <a:avLst/>
+          </a:prstGeom>
+        </p:spPr>
+      </p:pic>
+      <p:pic>
+        <p:nvPicPr>
+          <p:cNvPr id="12" name="Picture 11" descr="wireless.jpg"/>
+          <p:cNvPicPr>
+            <a:picLocks noChangeAspect="1"/>
+          </p:cNvPicPr>
+          <p:nvPr/>
+        </p:nvPicPr>
+        <p:blipFill>
+          <a:blip r:embed="rId2" cstate="screen">
+            <a:extLst>
+              <a:ext uri="{28A0092B-C50C-407E-A947-70E740481C1C}">
+                <a14:useLocalDpi xmlns:a14="http://schemas.microsoft.com/office/drawing/2010/main"/>
+              </a:ext>
+            </a:extLst>
+          </a:blip>
+          <a:stretch>
+            <a:fillRect/>
+          </a:stretch>
+        </p:blipFill>
+        <p:spPr>
+          <a:xfrm flipH="1">
+            <a:off x="3411251" y="4668338"/>
+            <a:ext cx="613690" cy="626632"/>
+          </a:xfrm>
+          <a:prstGeom prst="rect">
+            <a:avLst/>
+          </a:prstGeom>
+        </p:spPr>
+      </p:pic>
+      <p:pic>
+        <p:nvPicPr>
+          <p:cNvPr id="13" name="Picture 12" descr="gpon.png"/>
+          <p:cNvPicPr>
+            <a:picLocks noChangeAspect="1"/>
+          </p:cNvPicPr>
+          <p:nvPr/>
+        </p:nvPicPr>
+        <p:blipFill>
+          <a:blip r:embed="rId3" cstate="screen">
+            <a:extLst>
+              <a:ext uri="{28A0092B-C50C-407E-A947-70E740481C1C}">
+                <a14:useLocalDpi xmlns:a14="http://schemas.microsoft.com/office/drawing/2010/main"/>
+              </a:ext>
+            </a:extLst>
+          </a:blip>
+          <a:stretch>
+            <a:fillRect/>
+          </a:stretch>
+        </p:blipFill>
+        <p:spPr>
+          <a:xfrm flipH="1">
+            <a:off x="3460796" y="2931647"/>
+            <a:ext cx="514601" cy="525453"/>
+          </a:xfrm>
+          <a:prstGeom prst="rect">
+            <a:avLst/>
+          </a:prstGeom>
+        </p:spPr>
+      </p:pic>
+      <p:pic>
+        <p:nvPicPr>
+          <p:cNvPr id="14" name="Picture 13" descr="gpon.png"/>
+          <p:cNvPicPr>
+            <a:picLocks noChangeAspect="1"/>
+          </p:cNvPicPr>
+          <p:nvPr/>
+        </p:nvPicPr>
+        <p:blipFill>
+          <a:blip r:embed="rId3" cstate="screen">
+            <a:extLst>
+              <a:ext uri="{28A0092B-C50C-407E-A947-70E740481C1C}">
+                <a14:useLocalDpi xmlns:a14="http://schemas.microsoft.com/office/drawing/2010/main"/>
+              </a:ext>
+            </a:extLst>
+          </a:blip>
+          <a:stretch>
+            <a:fillRect/>
+          </a:stretch>
+        </p:blipFill>
+        <p:spPr>
+          <a:xfrm flipH="1">
+            <a:off x="3460796" y="2053867"/>
+            <a:ext cx="514601" cy="525453"/>
+          </a:xfrm>
+          <a:prstGeom prst="rect">
+            <a:avLst/>
+          </a:prstGeom>
+        </p:spPr>
+      </p:pic>
+      <p:sp>
+        <p:nvSpPr>
+          <p:cNvPr id="15" name="TextBox 14"/>
+          <p:cNvSpPr txBox="1"/>
+          <p:nvPr/>
+        </p:nvSpPr>
+        <p:spPr>
+          <a:xfrm flipH="1">
+            <a:off x="5704164" y="1421996"/>
+            <a:ext cx="1273105" cy="400110"/>
+          </a:xfrm>
+          <a:prstGeom prst="rect">
+            <a:avLst/>
+          </a:prstGeom>
+          <a:noFill/>
+        </p:spPr>
+        <p:txBody>
+          <a:bodyPr wrap="none" rtlCol="0" anchor="ctr">
+            <a:spAutoFit/>
+          </a:bodyPr>
+          <a:lstStyle/>
+          <a:p>
+            <a:pPr algn="ctr"/>
+            <a:r>
+              <a:rPr lang="en-US" sz="2000" dirty="0" smtClean="0"/>
+              <a:t>IXP Clouds</a:t>
+            </a:r>
+            <a:endParaRPr lang="en-US" sz="2000" dirty="0"/>
+          </a:p>
+        </p:txBody>
+      </p:sp>
+      <p:pic>
+        <p:nvPicPr>
+          <p:cNvPr id="16" name="Picture 15" descr="cloud_flat-with-edge.png"/>
+          <p:cNvPicPr>
+            <a:picLocks noChangeAspect="1"/>
+          </p:cNvPicPr>
+          <p:nvPr/>
+        </p:nvPicPr>
+        <p:blipFill>
+          <a:blip r:embed="rId4">
+            <a:duotone>
+              <a:schemeClr val="accent3">
+                <a:shade val="45000"/>
+                <a:satMod val="135000"/>
+              </a:schemeClr>
+              <a:prstClr val="white"/>
+            </a:duotone>
+            <a:extLst>
+              <a:ext uri="{28A0092B-C50C-407E-A947-70E740481C1C}">
+                <a14:useLocalDpi xmlns:a14="http://schemas.microsoft.com/office/drawing/2010/main" val="0"/>
+              </a:ext>
+            </a:extLst>
+          </a:blip>
+          <a:stretch>
+            <a:fillRect/>
+          </a:stretch>
+        </p:blipFill>
+        <p:spPr>
+          <a:xfrm>
+            <a:off x="7680364" y="2434578"/>
+            <a:ext cx="3244902" cy="1832292"/>
+          </a:xfrm>
+          <a:prstGeom prst="rect">
+            <a:avLst/>
+          </a:prstGeom>
+          <a:noFill/>
+          <a:ln>
+            <a:solidFill>
+              <a:schemeClr val="bg1"/>
+            </a:solidFill>
+          </a:ln>
+        </p:spPr>
+        <p:style>
+          <a:lnRef idx="1">
+            <a:schemeClr val="accent1"/>
+          </a:lnRef>
+          <a:fillRef idx="3">
+            <a:schemeClr val="accent1"/>
+          </a:fillRef>
+          <a:effectRef idx="2">
+            <a:schemeClr val="accent1"/>
+          </a:effectRef>
+          <a:fontRef idx="minor">
+            <a:schemeClr val="lt1"/>
+          </a:fontRef>
+        </p:style>
+      </p:pic>
+      <p:pic>
+        <p:nvPicPr>
+          <p:cNvPr id="17" name="Picture 16" descr="cloud_flat-with-edge.png">
+            <a:extLst>
+              <a:ext uri="{FF2B5EF4-FFF2-40B4-BE49-F238E27FC236}">
+                <a16:creationId xmlns="" xmlns:a16="http://schemas.microsoft.com/office/drawing/2014/main" id="{ADBDA620-F959-544B-A5E7-5E0D76D01353}"/>
+              </a:ext>
+            </a:extLst>
+          </p:cNvPr>
+          <p:cNvPicPr>
+            <a:picLocks noChangeAspect="1"/>
+          </p:cNvPicPr>
+          <p:nvPr/>
+        </p:nvPicPr>
+        <p:blipFill>
+          <a:blip r:embed="rId5">
+            <a:duotone>
+              <a:schemeClr val="accent3">
+                <a:shade val="45000"/>
+                <a:satMod val="135000"/>
+              </a:schemeClr>
+              <a:prstClr val="white"/>
+            </a:duotone>
+            <a:alphaModFix amt="35000"/>
+            <a:extLst>
+              <a:ext uri="{BEBA8EAE-BF5A-486C-A8C5-ECC9F3942E4B}">
+                <a14:imgProps xmlns:a14="http://schemas.microsoft.com/office/drawing/2010/main">
+                  <a14:imgLayer r:embed="rId6">
+                    <a14:imgEffect>
+                      <a14:saturation sat="400000"/>
+                    </a14:imgEffect>
+                    <a14:imgEffect>
+                      <a14:brightnessContrast bright="-20000"/>
+                    </a14:imgEffect>
+                  </a14:imgLayer>
+                </a14:imgProps>
+              </a:ext>
+              <a:ext uri="{28A0092B-C50C-407E-A947-70E740481C1C}">
+                <a14:useLocalDpi xmlns:a14="http://schemas.microsoft.com/office/drawing/2010/main" val="0"/>
+              </a:ext>
+            </a:extLst>
+          </a:blip>
+          <a:stretch>
+            <a:fillRect/>
+          </a:stretch>
+        </p:blipFill>
+        <p:spPr>
+          <a:xfrm>
+            <a:off x="3850698" y="4696263"/>
+            <a:ext cx="1106083" cy="570782"/>
+          </a:xfrm>
+          <a:prstGeom prst="rect">
+            <a:avLst/>
+          </a:prstGeom>
+        </p:spPr>
+      </p:pic>
+      <p:pic>
+        <p:nvPicPr>
+          <p:cNvPr id="18" name="Picture 17" descr="cloud_flat-with-edge.png">
+            <a:extLst>
+              <a:ext uri="{FF2B5EF4-FFF2-40B4-BE49-F238E27FC236}">
+                <a16:creationId xmlns="" xmlns:a16="http://schemas.microsoft.com/office/drawing/2014/main" id="{874B3795-E440-354A-A4F6-A596A13FECBD}"/>
+              </a:ext>
+            </a:extLst>
+          </p:cNvPr>
+          <p:cNvPicPr>
+            <a:picLocks noChangeAspect="1"/>
+          </p:cNvPicPr>
+          <p:nvPr/>
+        </p:nvPicPr>
+        <p:blipFill>
+          <a:blip r:embed="rId5">
+            <a:duotone>
+              <a:schemeClr val="accent3">
+                <a:shade val="45000"/>
+                <a:satMod val="135000"/>
+              </a:schemeClr>
+              <a:prstClr val="white"/>
+            </a:duotone>
+            <a:alphaModFix amt="35000"/>
+            <a:extLst>
+              <a:ext uri="{BEBA8EAE-BF5A-486C-A8C5-ECC9F3942E4B}">
+                <a14:imgProps xmlns:a14="http://schemas.microsoft.com/office/drawing/2010/main">
+                  <a14:imgLayer r:embed="rId6">
+                    <a14:imgEffect>
+                      <a14:saturation sat="400000"/>
+                    </a14:imgEffect>
+                    <a14:imgEffect>
+                      <a14:brightnessContrast bright="-20000"/>
+                    </a14:imgEffect>
+                  </a14:imgLayer>
+                </a14:imgProps>
+              </a:ext>
+              <a:ext uri="{28A0092B-C50C-407E-A947-70E740481C1C}">
+                <a14:useLocalDpi xmlns:a14="http://schemas.microsoft.com/office/drawing/2010/main" val="0"/>
+              </a:ext>
+            </a:extLst>
+          </a:blip>
+          <a:stretch>
+            <a:fillRect/>
+          </a:stretch>
+        </p:blipFill>
+        <p:spPr>
+          <a:xfrm>
+            <a:off x="3850698" y="3751322"/>
+            <a:ext cx="1106083" cy="570782"/>
+          </a:xfrm>
+          <a:prstGeom prst="rect">
+            <a:avLst/>
+          </a:prstGeom>
+        </p:spPr>
+      </p:pic>
+      <p:pic>
+        <p:nvPicPr>
+          <p:cNvPr id="19" name="Picture 18" descr="cloud_flat-with-edge.png">
+            <a:extLst>
+              <a:ext uri="{FF2B5EF4-FFF2-40B4-BE49-F238E27FC236}">
+                <a16:creationId xmlns="" xmlns:a16="http://schemas.microsoft.com/office/drawing/2014/main" id="{26F1F487-9A81-6145-BC36-A6432A0D0567}"/>
+              </a:ext>
+            </a:extLst>
+          </p:cNvPr>
+          <p:cNvPicPr>
+            <a:picLocks noChangeAspect="1"/>
+          </p:cNvPicPr>
+          <p:nvPr/>
+        </p:nvPicPr>
+        <p:blipFill>
+          <a:blip r:embed="rId5">
+            <a:duotone>
+              <a:schemeClr val="accent3">
+                <a:shade val="45000"/>
+                <a:satMod val="135000"/>
+              </a:schemeClr>
+              <a:prstClr val="white"/>
+            </a:duotone>
+            <a:alphaModFix amt="35000"/>
+            <a:extLst>
+              <a:ext uri="{BEBA8EAE-BF5A-486C-A8C5-ECC9F3942E4B}">
+                <a14:imgProps xmlns:a14="http://schemas.microsoft.com/office/drawing/2010/main">
+                  <a14:imgLayer r:embed="rId6">
+                    <a14:imgEffect>
+                      <a14:saturation sat="400000"/>
+                    </a14:imgEffect>
+                    <a14:imgEffect>
+                      <a14:brightnessContrast bright="-20000"/>
+                    </a14:imgEffect>
+                  </a14:imgLayer>
+                </a14:imgProps>
+              </a:ext>
+              <a:ext uri="{28A0092B-C50C-407E-A947-70E740481C1C}">
+                <a14:useLocalDpi xmlns:a14="http://schemas.microsoft.com/office/drawing/2010/main" val="0"/>
+              </a:ext>
+            </a:extLst>
+          </a:blip>
+          <a:stretch>
+            <a:fillRect/>
+          </a:stretch>
+        </p:blipFill>
+        <p:spPr>
+          <a:xfrm>
+            <a:off x="3850698" y="2849272"/>
+            <a:ext cx="1106083" cy="570782"/>
+          </a:xfrm>
+          <a:prstGeom prst="rect">
+            <a:avLst/>
+          </a:prstGeom>
+        </p:spPr>
+      </p:pic>
+      <p:pic>
+        <p:nvPicPr>
+          <p:cNvPr id="20" name="Picture 19" descr="cloud_flat-with-edge.png">
+            <a:extLst>
+              <a:ext uri="{FF2B5EF4-FFF2-40B4-BE49-F238E27FC236}">
+                <a16:creationId xmlns="" xmlns:a16="http://schemas.microsoft.com/office/drawing/2014/main" id="{7706B9CE-246E-364A-B43A-D12AB2BF6758}"/>
+              </a:ext>
+            </a:extLst>
+          </p:cNvPr>
+          <p:cNvPicPr>
+            <a:picLocks noChangeAspect="1"/>
+          </p:cNvPicPr>
+          <p:nvPr/>
+        </p:nvPicPr>
+        <p:blipFill>
+          <a:blip r:embed="rId5">
+            <a:duotone>
+              <a:schemeClr val="accent3">
+                <a:shade val="45000"/>
+                <a:satMod val="135000"/>
+              </a:schemeClr>
+              <a:prstClr val="white"/>
+            </a:duotone>
+            <a:alphaModFix amt="35000"/>
+            <a:extLst>
+              <a:ext uri="{BEBA8EAE-BF5A-486C-A8C5-ECC9F3942E4B}">
+                <a14:imgProps xmlns:a14="http://schemas.microsoft.com/office/drawing/2010/main">
+                  <a14:imgLayer r:embed="rId6">
+                    <a14:imgEffect>
+                      <a14:saturation sat="400000"/>
+                    </a14:imgEffect>
+                    <a14:imgEffect>
+                      <a14:brightnessContrast bright="-20000"/>
+                    </a14:imgEffect>
+                  </a14:imgLayer>
+                </a14:imgProps>
+              </a:ext>
+              <a:ext uri="{28A0092B-C50C-407E-A947-70E740481C1C}">
+                <a14:useLocalDpi xmlns:a14="http://schemas.microsoft.com/office/drawing/2010/main" val="0"/>
+              </a:ext>
+            </a:extLst>
+          </a:blip>
+          <a:stretch>
+            <a:fillRect/>
+          </a:stretch>
+        </p:blipFill>
+        <p:spPr>
+          <a:xfrm>
+            <a:off x="3850698" y="1994747"/>
+            <a:ext cx="1106083" cy="570782"/>
+          </a:xfrm>
+          <a:prstGeom prst="rect">
+            <a:avLst/>
+          </a:prstGeom>
+        </p:spPr>
+      </p:pic>
+      <p:pic>
+        <p:nvPicPr>
+          <p:cNvPr id="21" name="Picture 20" descr="cloud_flat-with-edge.png"/>
+          <p:cNvPicPr>
+            <a:picLocks noChangeAspect="1"/>
+          </p:cNvPicPr>
+          <p:nvPr/>
+        </p:nvPicPr>
+        <p:blipFill>
+          <a:blip r:embed="rId4">
+            <a:duotone>
+              <a:schemeClr val="accent3">
+                <a:shade val="45000"/>
+                <a:satMod val="135000"/>
+              </a:schemeClr>
+              <a:prstClr val="white"/>
+            </a:duotone>
+            <a:extLst>
+              <a:ext uri="{28A0092B-C50C-407E-A947-70E740481C1C}">
+                <a14:useLocalDpi xmlns:a14="http://schemas.microsoft.com/office/drawing/2010/main" val="0"/>
+              </a:ext>
+            </a:extLst>
+          </a:blip>
+          <a:stretch>
+            <a:fillRect/>
+          </a:stretch>
+        </p:blipFill>
+        <p:spPr>
+          <a:xfrm>
+            <a:off x="5306310" y="2049913"/>
+            <a:ext cx="2186797" cy="1209312"/>
+          </a:xfrm>
+          <a:prstGeom prst="rect">
+            <a:avLst/>
+          </a:prstGeom>
+        </p:spPr>
+      </p:pic>
+      <p:pic>
+        <p:nvPicPr>
+          <p:cNvPr id="22" name="Picture 21" descr="cloud_flat-with-edge.png"/>
+          <p:cNvPicPr>
+            <a:picLocks noChangeAspect="1"/>
+          </p:cNvPicPr>
+          <p:nvPr/>
+        </p:nvPicPr>
+        <p:blipFill>
+          <a:blip r:embed="rId4">
+            <a:duotone>
+              <a:schemeClr val="accent3">
+                <a:shade val="45000"/>
+                <a:satMod val="135000"/>
+              </a:schemeClr>
+              <a:prstClr val="white"/>
+            </a:duotone>
+            <a:extLst>
+              <a:ext uri="{28A0092B-C50C-407E-A947-70E740481C1C}">
+                <a14:useLocalDpi xmlns:a14="http://schemas.microsoft.com/office/drawing/2010/main" val="0"/>
+              </a:ext>
+            </a:extLst>
+          </a:blip>
+          <a:stretch>
+            <a:fillRect/>
+          </a:stretch>
+        </p:blipFill>
+        <p:spPr>
+          <a:xfrm>
+            <a:off x="5306310" y="3785079"/>
+            <a:ext cx="2186797" cy="1209312"/>
+          </a:xfrm>
+          <a:prstGeom prst="rect">
+            <a:avLst/>
+          </a:prstGeom>
+        </p:spPr>
+      </p:pic>
+      <p:sp>
+        <p:nvSpPr>
+          <p:cNvPr id="23" name="TextBox 22"/>
+          <p:cNvSpPr txBox="1"/>
+          <p:nvPr/>
+        </p:nvSpPr>
+        <p:spPr>
+          <a:xfrm flipH="1">
+            <a:off x="2958157" y="5280204"/>
+            <a:ext cx="1081899" cy="535531"/>
+          </a:xfrm>
+          <a:prstGeom prst="rect">
+            <a:avLst/>
+          </a:prstGeom>
+          <a:noFill/>
+        </p:spPr>
+        <p:txBody>
+          <a:bodyPr wrap="none" rtlCol="0" anchor="ctr">
+            <a:spAutoFit/>
+          </a:bodyPr>
+          <a:lstStyle/>
+          <a:p>
+            <a:pPr algn="ctr">
+              <a:lnSpc>
+                <a:spcPct val="80000"/>
+              </a:lnSpc>
+            </a:pPr>
+            <a:r>
+              <a:rPr lang="en-US" dirty="0" smtClean="0"/>
+              <a:t>Ac</a:t>
+            </a:r>
+            <a:r>
+              <a:rPr lang="en-US" dirty="0" smtClean="0"/>
+              <a:t>cess</a:t>
+            </a:r>
+          </a:p>
+          <a:p>
+            <a:pPr algn="ctr">
+              <a:lnSpc>
+                <a:spcPct val="80000"/>
+              </a:lnSpc>
+            </a:pPr>
+            <a:r>
+              <a:rPr lang="en-US" dirty="0" smtClean="0"/>
+              <a:t>Networks</a:t>
+            </a:r>
+            <a:endParaRPr lang="en-US" dirty="0"/>
+          </a:p>
+        </p:txBody>
+      </p:sp>
+    </p:spTree>
+    <p:extLst>
+      <p:ext uri="{BB962C8B-B14F-4D97-AF65-F5344CB8AC3E}">
+        <p14:creationId xmlns:p14="http://schemas.microsoft.com/office/powerpoint/2010/main" val="1684016106"/>
+      </p:ext>
+    </p:extLst>
+  </p:cSld>
+  <p:clrMapOvr>
+    <a:masterClrMapping/>
+  </p:clrMapOvr>
+</p:sld>
+</file>
+
 <file path=ppt/theme/theme1.xml><?xml version="1.0" encoding="utf-8"?>
 <a:theme xmlns:a="http://schemas.openxmlformats.org/drawingml/2006/main" name="Office Theme">
   <a:themeElements>

--- a/direct/figures/access.pptx
+++ b/direct/figures/access.pptx
@@ -6458,7 +6458,7 @@
           <p:cNvPr id="17" name="Picture 16" descr="cloud_flat-with-edge.png">
             <a:extLst>
               <a:ext uri="{FF2B5EF4-FFF2-40B4-BE49-F238E27FC236}">
-                <a16:creationId xmlns="" xmlns:a16="http://schemas.microsoft.com/office/drawing/2014/main" id="{ADBDA620-F959-544B-A5E7-5E0D76D01353}"/>
+                <a16:creationId xmlns:a16="http://schemas.microsoft.com/office/drawing/2014/main" xmlns="" id="{ADBDA620-F959-544B-A5E7-5E0D76D01353}"/>
               </a:ext>
             </a:extLst>
           </p:cNvPr>
@@ -6514,7 +6514,7 @@
           <p:cNvPr id="18" name="Picture 17" descr="cloud_flat-with-edge.png">
             <a:extLst>
               <a:ext uri="{FF2B5EF4-FFF2-40B4-BE49-F238E27FC236}">
-                <a16:creationId xmlns="" xmlns:a16="http://schemas.microsoft.com/office/drawing/2014/main" id="{874B3795-E440-354A-A4F6-A596A13FECBD}"/>
+                <a16:creationId xmlns:a16="http://schemas.microsoft.com/office/drawing/2014/main" xmlns="" id="{874B3795-E440-354A-A4F6-A596A13FECBD}"/>
               </a:ext>
             </a:extLst>
           </p:cNvPr>
@@ -6570,7 +6570,7 @@
           <p:cNvPr id="19" name="Picture 18" descr="cloud_flat-with-edge.png">
             <a:extLst>
               <a:ext uri="{FF2B5EF4-FFF2-40B4-BE49-F238E27FC236}">
-                <a16:creationId xmlns="" xmlns:a16="http://schemas.microsoft.com/office/drawing/2014/main" id="{26F1F487-9A81-6145-BC36-A6432A0D0567}"/>
+                <a16:creationId xmlns:a16="http://schemas.microsoft.com/office/drawing/2014/main" xmlns="" id="{26F1F487-9A81-6145-BC36-A6432A0D0567}"/>
               </a:ext>
             </a:extLst>
           </p:cNvPr>
@@ -6626,7 +6626,7 @@
           <p:cNvPr id="20" name="Picture 19" descr="cloud_flat-with-edge.png">
             <a:extLst>
               <a:ext uri="{FF2B5EF4-FFF2-40B4-BE49-F238E27FC236}">
-                <a16:creationId xmlns="" xmlns:a16="http://schemas.microsoft.com/office/drawing/2014/main" id="{7706B9CE-246E-364A-B43A-D12AB2BF6758}"/>
+                <a16:creationId xmlns:a16="http://schemas.microsoft.com/office/drawing/2014/main" xmlns="" id="{7706B9CE-246E-364A-B43A-D12AB2BF6758}"/>
               </a:ext>
             </a:extLst>
           </p:cNvPr>
@@ -6759,7 +6759,7 @@
         </p:nvSpPr>
         <p:spPr>
           <a:xfrm flipH="1">
-            <a:off x="2958157" y="5280204"/>
+            <a:off x="2943409" y="5280204"/>
             <a:ext cx="1081899" cy="535531"/>
           </a:xfrm>
           <a:prstGeom prst="rect">
@@ -6780,11 +6780,7 @@
             </a:pPr>
             <a:r>
               <a:rPr lang="en-US" dirty="0" smtClean="0"/>
-              <a:t>Ac</a:t>
-            </a:r>
-            <a:r>
-              <a:rPr lang="en-US" dirty="0" smtClean="0"/>
-              <a:t>cess</a:t>
+              <a:t>Access</a:t>
             </a:r>
           </a:p>
           <a:p>
@@ -6798,6 +6794,36 @@
               <a:t>Networks</a:t>
             </a:r>
             <a:endParaRPr lang="en-US" dirty="0"/>
+          </a:p>
+        </p:txBody>
+      </p:sp>
+      <p:sp>
+        <p:nvSpPr>
+          <p:cNvPr id="3" name="TextBox 2"/>
+          <p:cNvSpPr txBox="1"/>
+          <p:nvPr/>
+        </p:nvSpPr>
+        <p:spPr>
+          <a:xfrm>
+            <a:off x="3861435" y="5296770"/>
+            <a:ext cx="1320041" cy="369332"/>
+          </a:xfrm>
+          <a:prstGeom prst="rect">
+            <a:avLst/>
+          </a:prstGeom>
+          <a:noFill/>
+        </p:spPr>
+        <p:txBody>
+          <a:bodyPr wrap="none" rtlCol="0">
+            <a:spAutoFit/>
+          </a:bodyPr>
+          <a:lstStyle/>
+          <a:p>
+            <a:r>
+              <a:rPr lang="en-US" smtClean="0"/>
+              <a:t>(e.g., CORD)</a:t>
+            </a:r>
+            <a:endParaRPr lang="en-US"/>
           </a:p>
         </p:txBody>
       </p:sp>
